--- a/dockerHDDM_tutorial/figs/how_to_follow_this_paper/dockerHDDM流程图8.pptx
+++ b/dockerHDDM_tutorial/figs/how_to_follow_this_paper/dockerHDDM流程图8.pptx
@@ -257,7 +257,7 @@
           <a:p>
             <a:fld id="{91FF3EC2-E0E7-4618-8B4E-812DCE2CC2E3}" type="datetimeFigureOut">
               <a:rPr lang="zh-CN" altLang="en-US" smtClean="0"/>
-              <a:t>2023/12/1</a:t>
+              <a:t>2023/12/6</a:t>
             </a:fld>
             <a:endParaRPr lang="zh-CN" altLang="en-US"/>
           </a:p>
@@ -427,7 +427,7 @@
           <a:p>
             <a:fld id="{91FF3EC2-E0E7-4618-8B4E-812DCE2CC2E3}" type="datetimeFigureOut">
               <a:rPr lang="zh-CN" altLang="en-US" smtClean="0"/>
-              <a:t>2023/12/1</a:t>
+              <a:t>2023/12/6</a:t>
             </a:fld>
             <a:endParaRPr lang="zh-CN" altLang="en-US"/>
           </a:p>
@@ -607,7 +607,7 @@
           <a:p>
             <a:fld id="{91FF3EC2-E0E7-4618-8B4E-812DCE2CC2E3}" type="datetimeFigureOut">
               <a:rPr lang="zh-CN" altLang="en-US" smtClean="0"/>
-              <a:t>2023/12/1</a:t>
+              <a:t>2023/12/6</a:t>
             </a:fld>
             <a:endParaRPr lang="zh-CN" altLang="en-US"/>
           </a:p>
@@ -777,7 +777,7 @@
           <a:p>
             <a:fld id="{91FF3EC2-E0E7-4618-8B4E-812DCE2CC2E3}" type="datetimeFigureOut">
               <a:rPr lang="zh-CN" altLang="en-US" smtClean="0"/>
-              <a:t>2023/12/1</a:t>
+              <a:t>2023/12/6</a:t>
             </a:fld>
             <a:endParaRPr lang="zh-CN" altLang="en-US"/>
           </a:p>
@@ -1021,7 +1021,7 @@
           <a:p>
             <a:fld id="{91FF3EC2-E0E7-4618-8B4E-812DCE2CC2E3}" type="datetimeFigureOut">
               <a:rPr lang="zh-CN" altLang="en-US" smtClean="0"/>
-              <a:t>2023/12/1</a:t>
+              <a:t>2023/12/6</a:t>
             </a:fld>
             <a:endParaRPr lang="zh-CN" altLang="en-US"/>
           </a:p>
@@ -1253,7 +1253,7 @@
           <a:p>
             <a:fld id="{91FF3EC2-E0E7-4618-8B4E-812DCE2CC2E3}" type="datetimeFigureOut">
               <a:rPr lang="zh-CN" altLang="en-US" smtClean="0"/>
-              <a:t>2023/12/1</a:t>
+              <a:t>2023/12/6</a:t>
             </a:fld>
             <a:endParaRPr lang="zh-CN" altLang="en-US"/>
           </a:p>
@@ -1620,7 +1620,7 @@
           <a:p>
             <a:fld id="{91FF3EC2-E0E7-4618-8B4E-812DCE2CC2E3}" type="datetimeFigureOut">
               <a:rPr lang="zh-CN" altLang="en-US" smtClean="0"/>
-              <a:t>2023/12/1</a:t>
+              <a:t>2023/12/6</a:t>
             </a:fld>
             <a:endParaRPr lang="zh-CN" altLang="en-US"/>
           </a:p>
@@ -1738,7 +1738,7 @@
           <a:p>
             <a:fld id="{91FF3EC2-E0E7-4618-8B4E-812DCE2CC2E3}" type="datetimeFigureOut">
               <a:rPr lang="zh-CN" altLang="en-US" smtClean="0"/>
-              <a:t>2023/12/1</a:t>
+              <a:t>2023/12/6</a:t>
             </a:fld>
             <a:endParaRPr lang="zh-CN" altLang="en-US"/>
           </a:p>
@@ -1833,7 +1833,7 @@
           <a:p>
             <a:fld id="{91FF3EC2-E0E7-4618-8B4E-812DCE2CC2E3}" type="datetimeFigureOut">
               <a:rPr lang="zh-CN" altLang="en-US" smtClean="0"/>
-              <a:t>2023/12/1</a:t>
+              <a:t>2023/12/6</a:t>
             </a:fld>
             <a:endParaRPr lang="zh-CN" altLang="en-US"/>
           </a:p>
@@ -2110,7 +2110,7 @@
           <a:p>
             <a:fld id="{91FF3EC2-E0E7-4618-8B4E-812DCE2CC2E3}" type="datetimeFigureOut">
               <a:rPr lang="zh-CN" altLang="en-US" smtClean="0"/>
-              <a:t>2023/12/1</a:t>
+              <a:t>2023/12/6</a:t>
             </a:fld>
             <a:endParaRPr lang="zh-CN" altLang="en-US"/>
           </a:p>
@@ -2367,7 +2367,7 @@
           <a:p>
             <a:fld id="{91FF3EC2-E0E7-4618-8B4E-812DCE2CC2E3}" type="datetimeFigureOut">
               <a:rPr lang="zh-CN" altLang="en-US" smtClean="0"/>
-              <a:t>2023/12/1</a:t>
+              <a:t>2023/12/6</a:t>
             </a:fld>
             <a:endParaRPr lang="zh-CN" altLang="en-US"/>
           </a:p>
@@ -2580,7 +2580,7 @@
           <a:p>
             <a:fld id="{91FF3EC2-E0E7-4618-8B4E-812DCE2CC2E3}" type="datetimeFigureOut">
               <a:rPr lang="zh-CN" altLang="en-US" smtClean="0"/>
-              <a:t>2023/12/1</a:t>
+              <a:t>2023/12/6</a:t>
             </a:fld>
             <a:endParaRPr lang="zh-CN" altLang="en-US"/>
           </a:p>
@@ -2987,7 +2987,7 @@
       </p:grpSpPr>
       <p:grpSp>
         <p:nvGrpSpPr>
-          <p:cNvPr id="2" name="组合 1">
+          <p:cNvPr id="2" name="upper">
             <a:extLst>
               <a:ext uri="{FF2B5EF4-FFF2-40B4-BE49-F238E27FC236}">
                 <a16:creationId xmlns:a16="http://schemas.microsoft.com/office/drawing/2014/main" id="{73C66EC4-227A-2B82-6357-E3E8328BC28F}"/>
@@ -3748,954 +3748,7 @@
       </p:grpSp>
       <p:grpSp>
         <p:nvGrpSpPr>
-          <p:cNvPr id="3" name="组合 2">
-            <a:extLst>
-              <a:ext uri="{FF2B5EF4-FFF2-40B4-BE49-F238E27FC236}">
-                <a16:creationId xmlns:a16="http://schemas.microsoft.com/office/drawing/2014/main" id="{7F5EC2A5-B4D4-478D-9C6B-5B75F5170B3D}"/>
-              </a:ext>
-            </a:extLst>
-          </p:cNvPr>
-          <p:cNvGrpSpPr/>
-          <p:nvPr/>
-        </p:nvGrpSpPr>
-        <p:grpSpPr>
-          <a:xfrm>
-            <a:off x="799922" y="3093438"/>
-            <a:ext cx="10682853" cy="3927601"/>
-            <a:chOff x="799922" y="3134949"/>
-            <a:chExt cx="10682853" cy="3927601"/>
-          </a:xfrm>
-        </p:grpSpPr>
-        <p:sp>
-          <p:nvSpPr>
-            <p:cNvPr id="224" name="矩形: 圆角 17">
-              <a:extLst>
-                <a:ext uri="{FF2B5EF4-FFF2-40B4-BE49-F238E27FC236}">
-                  <a16:creationId xmlns:a16="http://schemas.microsoft.com/office/drawing/2014/main" id="{0934D449-F558-8928-3196-8E8F62A36A61}"/>
-                </a:ext>
-              </a:extLst>
-            </p:cNvPr>
-            <p:cNvSpPr/>
-            <p:nvPr/>
-          </p:nvSpPr>
-          <p:spPr>
-            <a:xfrm>
-              <a:off x="799922" y="3134949"/>
-              <a:ext cx="10682853" cy="3927601"/>
-            </a:xfrm>
-            <a:prstGeom prst="roundRect">
-              <a:avLst>
-                <a:gd name="adj" fmla="val 4276"/>
-              </a:avLst>
-            </a:prstGeom>
-            <a:solidFill>
-              <a:schemeClr val="accent2">
-                <a:lumMod val="20000"/>
-                <a:lumOff val="80000"/>
-              </a:schemeClr>
-            </a:solidFill>
-          </p:spPr>
-          <p:style>
-            <a:lnRef idx="2">
-              <a:schemeClr val="accent1">
-                <a:shade val="15000"/>
-              </a:schemeClr>
-            </a:lnRef>
-            <a:fillRef idx="1001">
-              <a:schemeClr val="lt2"/>
-            </a:fillRef>
-            <a:effectRef idx="0">
-              <a:schemeClr val="accent1"/>
-            </a:effectRef>
-            <a:fontRef idx="minor">
-              <a:schemeClr val="lt1"/>
-            </a:fontRef>
-          </p:style>
-          <p:txBody>
-            <a:bodyPr rtlCol="0" anchor="ctr"/>
-            <a:lstStyle/>
-            <a:p>
-              <a:pPr algn="ctr"/>
-              <a:endParaRPr lang="zh-CN" altLang="en-US" dirty="0">
-                <a:solidFill>
-                  <a:schemeClr val="tx1"/>
-                </a:solidFill>
-              </a:endParaRPr>
-            </a:p>
-          </p:txBody>
-        </p:sp>
-        <p:sp>
-          <p:nvSpPr>
-            <p:cNvPr id="238" name="文本框 237">
-              <a:extLst>
-                <a:ext uri="{FF2B5EF4-FFF2-40B4-BE49-F238E27FC236}">
-                  <a16:creationId xmlns:a16="http://schemas.microsoft.com/office/drawing/2014/main" id="{9C2CDC4E-2CC7-5B34-4401-A8B102AC4431}"/>
-                </a:ext>
-              </a:extLst>
-            </p:cNvPr>
-            <p:cNvSpPr txBox="1"/>
-            <p:nvPr/>
-          </p:nvSpPr>
-          <p:spPr>
-            <a:xfrm>
-              <a:off x="1096409" y="3143257"/>
-              <a:ext cx="4396269" cy="523220"/>
-            </a:xfrm>
-            <a:prstGeom prst="rect">
-              <a:avLst/>
-            </a:prstGeom>
-            <a:noFill/>
-          </p:spPr>
-          <p:txBody>
-            <a:bodyPr wrap="square" rtlCol="0">
-              <a:spAutoFit/>
-            </a:bodyPr>
-            <a:lstStyle/>
-            <a:p>
-              <a:r>
-                <a:rPr lang="en-US" altLang="zh-CN" sz="2800" dirty="0">
-                  <a:solidFill>
-                    <a:srgbClr val="000000"/>
-                  </a:solidFill>
-                  <a:latin typeface="Calibri" panose="020F0502020204030204" pitchFamily="34" charset="0"/>
-                  <a:ea typeface="等线" panose="02010600030101010101" pitchFamily="2" charset="-122"/>
-                </a:rPr>
-                <a:t>2. Pull and run dockerHDDM</a:t>
-              </a:r>
-              <a:endParaRPr lang="en-US" altLang="zh-CN" sz="2800" dirty="0"/>
-            </a:p>
-          </p:txBody>
-        </p:sp>
-        <p:pic>
-          <p:nvPicPr>
-            <p:cNvPr id="239" name="图片 238">
-              <a:extLst>
-                <a:ext uri="{FF2B5EF4-FFF2-40B4-BE49-F238E27FC236}">
-                  <a16:creationId xmlns:a16="http://schemas.microsoft.com/office/drawing/2014/main" id="{49C19647-F3AD-F37C-FFD2-64577BEB2B22}"/>
-                </a:ext>
-              </a:extLst>
-            </p:cNvPr>
-            <p:cNvPicPr>
-              <a:picLocks noChangeAspect="1"/>
-            </p:cNvPicPr>
-            <p:nvPr/>
-          </p:nvPicPr>
-          <p:blipFill>
-            <a:blip r:embed="rId29">
-              <a:extLst>
-                <a:ext uri="{28A0092B-C50C-407E-A947-70E740481C1C}">
-                  <a14:useLocalDpi xmlns:a14="http://schemas.microsoft.com/office/drawing/2010/main" val="0"/>
-                </a:ext>
-              </a:extLst>
-            </a:blip>
-            <a:srcRect/>
-            <a:stretch/>
-          </p:blipFill>
-          <p:spPr>
-            <a:xfrm>
-              <a:off x="7652962" y="4069358"/>
-              <a:ext cx="3549949" cy="2895441"/>
-            </a:xfrm>
-            <a:prstGeom prst="rect">
-              <a:avLst/>
-            </a:prstGeom>
-          </p:spPr>
-        </p:pic>
-        <p:sp>
-          <p:nvSpPr>
-            <p:cNvPr id="240" name="文本框 3">
-              <a:extLst>
-                <a:ext uri="{FF2B5EF4-FFF2-40B4-BE49-F238E27FC236}">
-                  <a16:creationId xmlns:a16="http://schemas.microsoft.com/office/drawing/2014/main" id="{772B8031-8C3E-6D18-2132-F240F00E7CC2}"/>
-                </a:ext>
-              </a:extLst>
-            </p:cNvPr>
-            <p:cNvSpPr txBox="1"/>
-            <p:nvPr/>
-          </p:nvSpPr>
-          <p:spPr>
-            <a:xfrm>
-              <a:off x="1348187" y="4069358"/>
-              <a:ext cx="4950846" cy="2893100"/>
-            </a:xfrm>
-            <a:prstGeom prst="rect">
-              <a:avLst/>
-            </a:prstGeom>
-            <a:solidFill>
-              <a:srgbClr val="20232A"/>
-            </a:solidFill>
-          </p:spPr>
-          <p:txBody>
-            <a:bodyPr wrap="square" rtlCol="0">
-              <a:spAutoFit/>
-            </a:bodyPr>
-            <a:lstStyle>
-              <a:defPPr>
-                <a:defRPr lang="en-US"/>
-              </a:defPPr>
-              <a:lvl1pPr marL="0" algn="l" defTabSz="457200" rtl="0" eaLnBrk="1" latinLnBrk="0" hangingPunct="1">
-                <a:defRPr sz="1800" kern="1200">
-                  <a:solidFill>
-                    <a:schemeClr val="tx1"/>
-                  </a:solidFill>
-                  <a:latin typeface="+mn-lt"/>
-                  <a:ea typeface="+mn-ea"/>
-                  <a:cs typeface="+mn-cs"/>
-                </a:defRPr>
-              </a:lvl1pPr>
-              <a:lvl2pPr marL="457200" algn="l" defTabSz="457200" rtl="0" eaLnBrk="1" latinLnBrk="0" hangingPunct="1">
-                <a:defRPr sz="1800" kern="1200">
-                  <a:solidFill>
-                    <a:schemeClr val="tx1"/>
-                  </a:solidFill>
-                  <a:latin typeface="+mn-lt"/>
-                  <a:ea typeface="+mn-ea"/>
-                  <a:cs typeface="+mn-cs"/>
-                </a:defRPr>
-              </a:lvl2pPr>
-              <a:lvl3pPr marL="914400" algn="l" defTabSz="457200" rtl="0" eaLnBrk="1" latinLnBrk="0" hangingPunct="1">
-                <a:defRPr sz="1800" kern="1200">
-                  <a:solidFill>
-                    <a:schemeClr val="tx1"/>
-                  </a:solidFill>
-                  <a:latin typeface="+mn-lt"/>
-                  <a:ea typeface="+mn-ea"/>
-                  <a:cs typeface="+mn-cs"/>
-                </a:defRPr>
-              </a:lvl3pPr>
-              <a:lvl4pPr marL="1371600" algn="l" defTabSz="457200" rtl="0" eaLnBrk="1" latinLnBrk="0" hangingPunct="1">
-                <a:defRPr sz="1800" kern="1200">
-                  <a:solidFill>
-                    <a:schemeClr val="tx1"/>
-                  </a:solidFill>
-                  <a:latin typeface="+mn-lt"/>
-                  <a:ea typeface="+mn-ea"/>
-                  <a:cs typeface="+mn-cs"/>
-                </a:defRPr>
-              </a:lvl4pPr>
-              <a:lvl5pPr marL="1828800" algn="l" defTabSz="457200" rtl="0" eaLnBrk="1" latinLnBrk="0" hangingPunct="1">
-                <a:defRPr sz="1800" kern="1200">
-                  <a:solidFill>
-                    <a:schemeClr val="tx1"/>
-                  </a:solidFill>
-                  <a:latin typeface="+mn-lt"/>
-                  <a:ea typeface="+mn-ea"/>
-                  <a:cs typeface="+mn-cs"/>
-                </a:defRPr>
-              </a:lvl5pPr>
-              <a:lvl6pPr marL="2286000" algn="l" defTabSz="457200" rtl="0" eaLnBrk="1" latinLnBrk="0" hangingPunct="1">
-                <a:defRPr sz="1800" kern="1200">
-                  <a:solidFill>
-                    <a:schemeClr val="tx1"/>
-                  </a:solidFill>
-                  <a:latin typeface="+mn-lt"/>
-                  <a:ea typeface="+mn-ea"/>
-                  <a:cs typeface="+mn-cs"/>
-                </a:defRPr>
-              </a:lvl6pPr>
-              <a:lvl7pPr marL="2743200" algn="l" defTabSz="457200" rtl="0" eaLnBrk="1" latinLnBrk="0" hangingPunct="1">
-                <a:defRPr sz="1800" kern="1200">
-                  <a:solidFill>
-                    <a:schemeClr val="tx1"/>
-                  </a:solidFill>
-                  <a:latin typeface="+mn-lt"/>
-                  <a:ea typeface="+mn-ea"/>
-                  <a:cs typeface="+mn-cs"/>
-                </a:defRPr>
-              </a:lvl7pPr>
-              <a:lvl8pPr marL="3200400" algn="l" defTabSz="457200" rtl="0" eaLnBrk="1" latinLnBrk="0" hangingPunct="1">
-                <a:defRPr sz="1800" kern="1200">
-                  <a:solidFill>
-                    <a:schemeClr val="tx1"/>
-                  </a:solidFill>
-                  <a:latin typeface="+mn-lt"/>
-                  <a:ea typeface="+mn-ea"/>
-                  <a:cs typeface="+mn-cs"/>
-                </a:defRPr>
-              </a:lvl8pPr>
-              <a:lvl9pPr marL="3657600" algn="l" defTabSz="457200" rtl="0" eaLnBrk="1" latinLnBrk="0" hangingPunct="1">
-                <a:defRPr sz="1800" kern="1200">
-                  <a:solidFill>
-                    <a:schemeClr val="tx1"/>
-                  </a:solidFill>
-                  <a:latin typeface="+mn-lt"/>
-                  <a:ea typeface="+mn-ea"/>
-                  <a:cs typeface="+mn-cs"/>
-                </a:defRPr>
-              </a:lvl9pPr>
-            </a:lstStyle>
-            <a:p>
-              <a:pPr eaLnBrk="0" latinLnBrk="1" hangingPunct="0"/>
-              <a:r>
-                <a:rPr lang="en-US" altLang="zh-CN" sz="1400" dirty="0">
-                  <a:solidFill>
-                    <a:srgbClr val="A9D18E"/>
-                  </a:solidFill>
-                  <a:latin typeface="Consolas" panose="020B0609020204030204" pitchFamily="49" charset="0"/>
-                  <a:sym typeface="+mn-ea"/>
-                </a:rPr>
-                <a:t>user@DESKTOP</a:t>
-              </a:r>
-              <a:r>
-                <a:rPr lang="en-US" altLang="zh-CN" sz="1400" dirty="0">
-                  <a:solidFill>
-                    <a:srgbClr val="E3E6EB"/>
-                  </a:solidFill>
-                  <a:latin typeface="Consolas" panose="020B0609020204030204" pitchFamily="49" charset="0"/>
-                  <a:sym typeface="+mn-ea"/>
-                </a:rPr>
-                <a:t>:/$ </a:t>
-              </a:r>
-              <a:r>
-                <a:rPr lang="en-US" altLang="zh-CN" sz="1400" b="1" dirty="0">
-                  <a:solidFill>
-                    <a:srgbClr val="E3E6EB"/>
-                  </a:solidFill>
-                  <a:effectLst>
-                    <a:outerShdw blurRad="38100" dist="38100" dir="2700000" algn="tl">
-                      <a:srgbClr val="000000">
-                        <a:alpha val="43137"/>
-                      </a:srgbClr>
-                    </a:outerShdw>
-                  </a:effectLst>
-                  <a:latin typeface="Consolas" panose="020B0609020204030204" pitchFamily="49" charset="0"/>
-                  <a:sym typeface="+mn-ea"/>
-                </a:rPr>
-                <a:t>docker pull hcp4715/dockerHDDM</a:t>
-              </a:r>
-              <a:endParaRPr lang="en-US" altLang="zh-CN" sz="1400" b="1" dirty="0">
-                <a:solidFill>
-                  <a:schemeClr val="accent6">
-                    <a:lumMod val="60000"/>
-                    <a:lumOff val="40000"/>
-                  </a:schemeClr>
-                </a:solidFill>
-                <a:effectLst>
-                  <a:outerShdw blurRad="38100" dist="38100" dir="2700000" algn="tl">
-                    <a:srgbClr val="000000">
-                      <a:alpha val="43137"/>
-                    </a:srgbClr>
-                  </a:outerShdw>
-                </a:effectLst>
-                <a:latin typeface="Consolas" panose="020B0609020204030204" pitchFamily="49" charset="0"/>
-              </a:endParaRPr>
-            </a:p>
-            <a:p>
-              <a:pPr eaLnBrk="0" latinLnBrk="1" hangingPunct="0"/>
-              <a:r>
-                <a:rPr lang="en-US" altLang="zh-CN" sz="1400" dirty="0">
-                  <a:solidFill>
-                    <a:srgbClr val="A9D18E"/>
-                  </a:solidFill>
-                  <a:latin typeface="Consolas" panose="020B0609020204030204" pitchFamily="49" charset="0"/>
-                </a:rPr>
-                <a:t>user@DESKTOP</a:t>
-              </a:r>
-              <a:r>
-                <a:rPr lang="en-US" altLang="zh-CN" sz="1400" dirty="0">
-                  <a:solidFill>
-                    <a:srgbClr val="E3E6EB"/>
-                  </a:solidFill>
-                  <a:latin typeface="Consolas" panose="020B0609020204030204" pitchFamily="49" charset="0"/>
-                </a:rPr>
-                <a:t>:/$ </a:t>
-              </a:r>
-              <a:r>
-                <a:rPr lang="en-US" altLang="zh-CN" sz="1400" b="1" dirty="0">
-                  <a:solidFill>
-                    <a:srgbClr val="E3E6EB"/>
-                  </a:solidFill>
-                  <a:effectLst>
-                    <a:outerShdw blurRad="38100" dist="38100" dir="2700000" algn="tl">
-                      <a:srgbClr val="000000">
-                        <a:alpha val="43137"/>
-                      </a:srgbClr>
-                    </a:outerShdw>
-                  </a:effectLst>
-                  <a:latin typeface="Consolas" panose="020B0609020204030204" pitchFamily="49" charset="0"/>
-                </a:rPr>
-                <a:t>docker run -p 8888:8888 -it --rm hcp4715/</a:t>
-              </a:r>
-              <a:r>
-                <a:rPr lang="en-US" altLang="zh-CN" sz="1400" b="1" dirty="0">
-                  <a:solidFill>
-                    <a:srgbClr val="E3E6EB"/>
-                  </a:solidFill>
-                  <a:effectLst>
-                    <a:outerShdw blurRad="38100" dist="38100" dir="2700000" algn="tl">
-                      <a:srgbClr val="000000">
-                        <a:alpha val="43137"/>
-                      </a:srgbClr>
-                    </a:outerShdw>
-                  </a:effectLst>
-                  <a:latin typeface="Consolas" panose="020B0609020204030204" pitchFamily="49" charset="0"/>
-                  <a:sym typeface="+mn-ea"/>
-                </a:rPr>
-                <a:t>dockerHDDM</a:t>
-              </a:r>
-              <a:r>
-                <a:rPr lang="en-US" altLang="zh-CN" sz="1400" b="1" dirty="0">
-                  <a:solidFill>
-                    <a:srgbClr val="E3E6EB"/>
-                  </a:solidFill>
-                  <a:effectLst>
-                    <a:outerShdw blurRad="38100" dist="38100" dir="2700000" algn="tl">
-                      <a:srgbClr val="000000">
-                        <a:alpha val="43137"/>
-                      </a:srgbClr>
-                    </a:outerShdw>
-                  </a:effectLst>
-                  <a:latin typeface="Consolas" panose="020B0609020204030204" pitchFamily="49" charset="0"/>
-                </a:rPr>
-                <a:t> jupyter notebook</a:t>
-              </a:r>
-            </a:p>
-            <a:p>
-              <a:pPr eaLnBrk="0" latinLnBrk="1" hangingPunct="0"/>
-              <a:endParaRPr lang="en-US" altLang="zh-CN" sz="1400" dirty="0">
-                <a:solidFill>
-                  <a:srgbClr val="A9D18E"/>
-                </a:solidFill>
-                <a:latin typeface="Consolas" panose="020B0609020204030204" pitchFamily="49" charset="0"/>
-              </a:endParaRPr>
-            </a:p>
-            <a:p>
-              <a:pPr eaLnBrk="0" latinLnBrk="1" hangingPunct="0"/>
-              <a:r>
-                <a:rPr lang="en-US" altLang="zh-CN" sz="1400" dirty="0">
-                  <a:solidFill>
-                    <a:srgbClr val="E492FB"/>
-                  </a:solidFill>
-                  <a:latin typeface="Consolas" panose="020B0609020204030204" pitchFamily="49" charset="0"/>
-                </a:rPr>
-                <a:t>[C 06:50:52.342 NotebookApp]</a:t>
-              </a:r>
-            </a:p>
-            <a:p>
-              <a:pPr eaLnBrk="0" latinLnBrk="1" hangingPunct="0"/>
-              <a:endParaRPr lang="en-US" altLang="zh-CN" sz="1400" dirty="0">
-                <a:solidFill>
-                  <a:srgbClr val="E3E6EB"/>
-                </a:solidFill>
-                <a:latin typeface="Consolas" panose="020B0609020204030204" pitchFamily="49" charset="0"/>
-              </a:endParaRPr>
-            </a:p>
-            <a:p>
-              <a:pPr eaLnBrk="0" latinLnBrk="1" hangingPunct="0"/>
-              <a:r>
-                <a:rPr lang="en-US" altLang="zh-CN" sz="1400" dirty="0">
-                  <a:solidFill>
-                    <a:srgbClr val="E3E6EB"/>
-                  </a:solidFill>
-                  <a:latin typeface="Consolas" panose="020B0609020204030204" pitchFamily="49" charset="0"/>
-                </a:rPr>
-                <a:t>    To access the notebook, open this file in a browser:</a:t>
-              </a:r>
-            </a:p>
-            <a:p>
-              <a:pPr eaLnBrk="0" latinLnBrk="1" hangingPunct="0"/>
-              <a:r>
-                <a:rPr lang="en-US" altLang="zh-CN" sz="1400" dirty="0">
-                  <a:solidFill>
-                    <a:srgbClr val="E3E6EB"/>
-                  </a:solidFill>
-                  <a:latin typeface="Consolas" panose="020B0609020204030204" pitchFamily="49" charset="0"/>
-                </a:rPr>
-                <a:t>        file:///home/jovyan/.local/share/jupyter/runtime/nbserver-7-open.html</a:t>
-              </a:r>
-            </a:p>
-            <a:p>
-              <a:pPr eaLnBrk="0" latinLnBrk="1" hangingPunct="0"/>
-              <a:r>
-                <a:rPr lang="en-US" altLang="zh-CN" sz="1400" dirty="0">
-                  <a:solidFill>
-                    <a:srgbClr val="E3E6EB"/>
-                  </a:solidFill>
-                  <a:latin typeface="Consolas" panose="020B0609020204030204" pitchFamily="49" charset="0"/>
-                </a:rPr>
-                <a:t>    Or copy and paste one of these URLs:</a:t>
-              </a:r>
-            </a:p>
-            <a:p>
-              <a:pPr eaLnBrk="0" latinLnBrk="1" hangingPunct="0"/>
-              <a:r>
-                <a:rPr lang="en-US" altLang="zh-CN" sz="1400" dirty="0">
-                  <a:solidFill>
-                    <a:srgbClr val="E3E6EB"/>
-                  </a:solidFill>
-                  <a:latin typeface="Consolas" panose="020B0609020204030204" pitchFamily="49" charset="0"/>
-                </a:rPr>
-                <a:t>        http://92ea06ad8c6d:8888/?token=0ce749eb</a:t>
-              </a:r>
-            </a:p>
-            <a:p>
-              <a:pPr eaLnBrk="0" latinLnBrk="1" hangingPunct="0"/>
-              <a:r>
-                <a:rPr lang="en-US" altLang="zh-CN" sz="1400" dirty="0">
-                  <a:solidFill>
-                    <a:srgbClr val="E3E6EB"/>
-                  </a:solidFill>
-                  <a:latin typeface="Consolas" panose="020B0609020204030204" pitchFamily="49" charset="0"/>
-                </a:rPr>
-                <a:t>     or http://127.0.0.1:8888/?token=0ce749eb</a:t>
-              </a:r>
-            </a:p>
-          </p:txBody>
-        </p:sp>
-        <p:sp>
-          <p:nvSpPr>
-            <p:cNvPr id="241" name="矩形 240">
-              <a:extLst>
-                <a:ext uri="{FF2B5EF4-FFF2-40B4-BE49-F238E27FC236}">
-                  <a16:creationId xmlns:a16="http://schemas.microsoft.com/office/drawing/2014/main" id="{1A3CFD29-BC6F-72A4-DE7D-1E589B728745}"/>
-                </a:ext>
-              </a:extLst>
-            </p:cNvPr>
-            <p:cNvSpPr/>
-            <p:nvPr/>
-          </p:nvSpPr>
-          <p:spPr>
-            <a:xfrm>
-              <a:off x="1798792" y="6271387"/>
-              <a:ext cx="4396269" cy="642594"/>
-            </a:xfrm>
-            <a:prstGeom prst="rect">
-              <a:avLst/>
-            </a:prstGeom>
-            <a:noFill/>
-            <a:ln w="38100">
-              <a:solidFill>
-                <a:srgbClr val="FF0000"/>
-              </a:solidFill>
-            </a:ln>
-            <a:extLst>
-              <a:ext uri="{909E8E84-426E-40DD-AFC4-6F175D3DCCD1}">
-                <a14:hiddenFill xmlns:a14="http://schemas.microsoft.com/office/drawing/2010/main">
-                  <a:solidFill>
-                    <a:schemeClr val="accent1"/>
-                  </a:solidFill>
-                </a14:hiddenFill>
-              </a:ext>
-            </a:extLst>
-          </p:spPr>
-          <p:style>
-            <a:lnRef idx="2">
-              <a:schemeClr val="accent1">
-                <a:lumMod val="75000"/>
-              </a:schemeClr>
-            </a:lnRef>
-            <a:fillRef idx="1">
-              <a:schemeClr val="accent1"/>
-            </a:fillRef>
-            <a:effectRef idx="0">
-              <a:srgbClr val="FFFFFF"/>
-            </a:effectRef>
-            <a:fontRef idx="minor">
-              <a:schemeClr val="lt1"/>
-            </a:fontRef>
-          </p:style>
-          <p:txBody>
-            <a:bodyPr rtlCol="0" anchor="ctr"/>
-            <a:lstStyle>
-              <a:defPPr>
-                <a:defRPr lang="en-US">
-                  <a:solidFill>
-                    <a:schemeClr val="lt1"/>
-                  </a:solidFill>
-                </a:defRPr>
-              </a:defPPr>
-              <a:lvl1pPr marL="0" algn="l" defTabSz="457200" rtl="0" eaLnBrk="1" latinLnBrk="0" hangingPunct="1">
-                <a:defRPr sz="1800" kern="1200">
-                  <a:solidFill>
-                    <a:schemeClr val="lt1"/>
-                  </a:solidFill>
-                  <a:latin typeface="+mn-lt"/>
-                  <a:ea typeface="+mn-ea"/>
-                  <a:cs typeface="+mn-cs"/>
-                </a:defRPr>
-              </a:lvl1pPr>
-              <a:lvl2pPr marL="457200" algn="l" defTabSz="457200" rtl="0" eaLnBrk="1" latinLnBrk="0" hangingPunct="1">
-                <a:defRPr sz="1800" kern="1200">
-                  <a:solidFill>
-                    <a:schemeClr val="lt1"/>
-                  </a:solidFill>
-                  <a:latin typeface="+mn-lt"/>
-                  <a:ea typeface="+mn-ea"/>
-                  <a:cs typeface="+mn-cs"/>
-                </a:defRPr>
-              </a:lvl2pPr>
-              <a:lvl3pPr marL="914400" algn="l" defTabSz="457200" rtl="0" eaLnBrk="1" latinLnBrk="0" hangingPunct="1">
-                <a:defRPr sz="1800" kern="1200">
-                  <a:solidFill>
-                    <a:schemeClr val="lt1"/>
-                  </a:solidFill>
-                  <a:latin typeface="+mn-lt"/>
-                  <a:ea typeface="+mn-ea"/>
-                  <a:cs typeface="+mn-cs"/>
-                </a:defRPr>
-              </a:lvl3pPr>
-              <a:lvl4pPr marL="1371600" algn="l" defTabSz="457200" rtl="0" eaLnBrk="1" latinLnBrk="0" hangingPunct="1">
-                <a:defRPr sz="1800" kern="1200">
-                  <a:solidFill>
-                    <a:schemeClr val="lt1"/>
-                  </a:solidFill>
-                  <a:latin typeface="+mn-lt"/>
-                  <a:ea typeface="+mn-ea"/>
-                  <a:cs typeface="+mn-cs"/>
-                </a:defRPr>
-              </a:lvl4pPr>
-              <a:lvl5pPr marL="1828800" algn="l" defTabSz="457200" rtl="0" eaLnBrk="1" latinLnBrk="0" hangingPunct="1">
-                <a:defRPr sz="1800" kern="1200">
-                  <a:solidFill>
-                    <a:schemeClr val="lt1"/>
-                  </a:solidFill>
-                  <a:latin typeface="+mn-lt"/>
-                  <a:ea typeface="+mn-ea"/>
-                  <a:cs typeface="+mn-cs"/>
-                </a:defRPr>
-              </a:lvl5pPr>
-              <a:lvl6pPr marL="2286000" algn="l" defTabSz="457200" rtl="0" eaLnBrk="1" latinLnBrk="0" hangingPunct="1">
-                <a:defRPr sz="1800" kern="1200">
-                  <a:solidFill>
-                    <a:schemeClr val="lt1"/>
-                  </a:solidFill>
-                  <a:latin typeface="+mn-lt"/>
-                  <a:ea typeface="+mn-ea"/>
-                  <a:cs typeface="+mn-cs"/>
-                </a:defRPr>
-              </a:lvl6pPr>
-              <a:lvl7pPr marL="2743200" algn="l" defTabSz="457200" rtl="0" eaLnBrk="1" latinLnBrk="0" hangingPunct="1">
-                <a:defRPr sz="1800" kern="1200">
-                  <a:solidFill>
-                    <a:schemeClr val="lt1"/>
-                  </a:solidFill>
-                  <a:latin typeface="+mn-lt"/>
-                  <a:ea typeface="+mn-ea"/>
-                  <a:cs typeface="+mn-cs"/>
-                </a:defRPr>
-              </a:lvl7pPr>
-              <a:lvl8pPr marL="3200400" algn="l" defTabSz="457200" rtl="0" eaLnBrk="1" latinLnBrk="0" hangingPunct="1">
-                <a:defRPr sz="1800" kern="1200">
-                  <a:solidFill>
-                    <a:schemeClr val="lt1"/>
-                  </a:solidFill>
-                  <a:latin typeface="+mn-lt"/>
-                  <a:ea typeface="+mn-ea"/>
-                  <a:cs typeface="+mn-cs"/>
-                </a:defRPr>
-              </a:lvl8pPr>
-              <a:lvl9pPr marL="3657600" algn="l" defTabSz="457200" rtl="0" eaLnBrk="1" latinLnBrk="0" hangingPunct="1">
-                <a:defRPr sz="1800" kern="1200">
-                  <a:solidFill>
-                    <a:schemeClr val="lt1"/>
-                  </a:solidFill>
-                  <a:latin typeface="+mn-lt"/>
-                  <a:ea typeface="+mn-ea"/>
-                  <a:cs typeface="+mn-cs"/>
-                </a:defRPr>
-              </a:lvl9pPr>
-            </a:lstStyle>
-            <a:p>
-              <a:pPr algn="ctr"/>
-              <a:endParaRPr lang="zh-CN" altLang="en-US">
-                <a:ln w="0">
-                  <a:noFill/>
-                </a:ln>
-              </a:endParaRPr>
-            </a:p>
-          </p:txBody>
-        </p:sp>
-        <p:cxnSp>
-          <p:nvCxnSpPr>
-            <p:cNvPr id="242" name="连接符: 曲线 241">
-              <a:extLst>
-                <a:ext uri="{FF2B5EF4-FFF2-40B4-BE49-F238E27FC236}">
-                  <a16:creationId xmlns:a16="http://schemas.microsoft.com/office/drawing/2014/main" id="{1CF7B3EB-72C4-8ACB-CE8F-BBE959BEBA68}"/>
-                </a:ext>
-              </a:extLst>
-            </p:cNvPr>
-            <p:cNvCxnSpPr>
-              <a:cxnSpLocks/>
-              <a:stCxn id="241" idx="3"/>
-            </p:cNvCxnSpPr>
-            <p:nvPr/>
-          </p:nvCxnSpPr>
-          <p:spPr>
-            <a:xfrm flipV="1">
-              <a:off x="6195061" y="4284802"/>
-              <a:ext cx="1482557" cy="2307882"/>
-            </a:xfrm>
-            <a:prstGeom prst="curvedConnector3">
-              <a:avLst/>
-            </a:prstGeom>
-            <a:ln w="57150">
-              <a:solidFill>
-                <a:srgbClr val="BD374A"/>
-              </a:solidFill>
-              <a:tailEnd type="triangle"/>
-            </a:ln>
-          </p:spPr>
-          <p:style>
-            <a:lnRef idx="1">
-              <a:schemeClr val="accent1"/>
-            </a:lnRef>
-            <a:fillRef idx="0">
-              <a:schemeClr val="accent1"/>
-            </a:fillRef>
-            <a:effectRef idx="0">
-              <a:schemeClr val="accent1"/>
-            </a:effectRef>
-            <a:fontRef idx="minor">
-              <a:schemeClr val="tx1"/>
-            </a:fontRef>
-          </p:style>
-        </p:cxnSp>
-        <p:sp>
-          <p:nvSpPr>
-            <p:cNvPr id="243" name="文本框 242">
-              <a:extLst>
-                <a:ext uri="{FF2B5EF4-FFF2-40B4-BE49-F238E27FC236}">
-                  <a16:creationId xmlns:a16="http://schemas.microsoft.com/office/drawing/2014/main" id="{8B34DFBE-8540-50A0-D2B5-E3E05D658E64}"/>
-                </a:ext>
-              </a:extLst>
-            </p:cNvPr>
-            <p:cNvSpPr txBox="1"/>
-            <p:nvPr/>
-          </p:nvSpPr>
-          <p:spPr>
-            <a:xfrm>
-              <a:off x="1153956" y="3637716"/>
-              <a:ext cx="4840816" cy="430887"/>
-            </a:xfrm>
-            <a:prstGeom prst="rect">
-              <a:avLst/>
-            </a:prstGeom>
-            <a:noFill/>
-          </p:spPr>
-          <p:txBody>
-            <a:bodyPr wrap="square" rtlCol="0">
-              <a:spAutoFit/>
-            </a:bodyPr>
-            <a:lstStyle/>
-            <a:p>
-              <a:pPr algn="ctr"/>
-              <a:r>
-                <a:rPr lang="en-US" altLang="zh-CN" sz="2200" dirty="0">
-                  <a:latin typeface="Calibri" panose="020F0502020204030204" pitchFamily="34" charset="0"/>
-                  <a:ea typeface="等线" panose="02010600030101010101" pitchFamily="2" charset="-122"/>
-                </a:rPr>
-                <a:t>2.1 Open terminal &amp; Run command line</a:t>
-              </a:r>
-              <a:endParaRPr lang="en-US" altLang="zh-CN" sz="2200" dirty="0"/>
-            </a:p>
-          </p:txBody>
-        </p:sp>
-        <p:sp>
-          <p:nvSpPr>
-            <p:cNvPr id="244" name="文本框 243">
-              <a:extLst>
-                <a:ext uri="{FF2B5EF4-FFF2-40B4-BE49-F238E27FC236}">
-                  <a16:creationId xmlns:a16="http://schemas.microsoft.com/office/drawing/2014/main" id="{78835B59-DE24-366D-77ED-174749A876EF}"/>
-                </a:ext>
-              </a:extLst>
-            </p:cNvPr>
-            <p:cNvSpPr txBox="1"/>
-            <p:nvPr/>
-          </p:nvSpPr>
-          <p:spPr>
-            <a:xfrm>
-              <a:off x="7524294" y="3661551"/>
-              <a:ext cx="3500638" cy="430887"/>
-            </a:xfrm>
-            <a:prstGeom prst="rect">
-              <a:avLst/>
-            </a:prstGeom>
-            <a:noFill/>
-          </p:spPr>
-          <p:txBody>
-            <a:bodyPr wrap="square" rtlCol="0">
-              <a:spAutoFit/>
-            </a:bodyPr>
-            <a:lstStyle/>
-            <a:p>
-              <a:pPr algn="ctr"/>
-              <a:r>
-                <a:rPr lang="en-US" altLang="zh-CN" sz="2200" dirty="0">
-                  <a:latin typeface="Calibri" panose="020F0502020204030204" pitchFamily="34" charset="0"/>
-                  <a:ea typeface="等线" panose="02010600030101010101" pitchFamily="2" charset="-122"/>
-                </a:rPr>
-                <a:t>2.2 Open URL &amp;Enter jupyter</a:t>
-              </a:r>
-            </a:p>
-          </p:txBody>
-        </p:sp>
-        <p:sp>
-          <p:nvSpPr>
-            <p:cNvPr id="272" name="矩形 271">
-              <a:extLst>
-                <a:ext uri="{FF2B5EF4-FFF2-40B4-BE49-F238E27FC236}">
-                  <a16:creationId xmlns:a16="http://schemas.microsoft.com/office/drawing/2014/main" id="{5C44BA87-529B-A0D8-E637-A4837B81491E}"/>
-                </a:ext>
-              </a:extLst>
-            </p:cNvPr>
-            <p:cNvSpPr/>
-            <p:nvPr/>
-          </p:nvSpPr>
-          <p:spPr>
-            <a:xfrm>
-              <a:off x="7878447" y="6527678"/>
-              <a:ext cx="3071494" cy="386303"/>
-            </a:xfrm>
-            <a:prstGeom prst="rect">
-              <a:avLst/>
-            </a:prstGeom>
-            <a:noFill/>
-            <a:ln w="38100">
-              <a:solidFill>
-                <a:srgbClr val="FF0000"/>
-              </a:solidFill>
-            </a:ln>
-            <a:extLst>
-              <a:ext uri="{909E8E84-426E-40DD-AFC4-6F175D3DCCD1}">
-                <a14:hiddenFill xmlns:a14="http://schemas.microsoft.com/office/drawing/2010/main">
-                  <a:solidFill>
-                    <a:schemeClr val="accent1"/>
-                  </a:solidFill>
-                </a14:hiddenFill>
-              </a:ext>
-            </a:extLst>
-          </p:spPr>
-          <p:style>
-            <a:lnRef idx="2">
-              <a:schemeClr val="accent1">
-                <a:lumMod val="75000"/>
-              </a:schemeClr>
-            </a:lnRef>
-            <a:fillRef idx="1">
-              <a:schemeClr val="accent1"/>
-            </a:fillRef>
-            <a:effectRef idx="0">
-              <a:srgbClr val="FFFFFF"/>
-            </a:effectRef>
-            <a:fontRef idx="minor">
-              <a:schemeClr val="lt1"/>
-            </a:fontRef>
-          </p:style>
-          <p:txBody>
-            <a:bodyPr rtlCol="0" anchor="ctr"/>
-            <a:lstStyle>
-              <a:defPPr>
-                <a:defRPr lang="en-US">
-                  <a:solidFill>
-                    <a:schemeClr val="lt1"/>
-                  </a:solidFill>
-                </a:defRPr>
-              </a:defPPr>
-              <a:lvl1pPr marL="0" algn="l" defTabSz="457200" rtl="0" eaLnBrk="1" latinLnBrk="0" hangingPunct="1">
-                <a:defRPr sz="1800" kern="1200">
-                  <a:solidFill>
-                    <a:schemeClr val="lt1"/>
-                  </a:solidFill>
-                  <a:latin typeface="+mn-lt"/>
-                  <a:ea typeface="+mn-ea"/>
-                  <a:cs typeface="+mn-cs"/>
-                </a:defRPr>
-              </a:lvl1pPr>
-              <a:lvl2pPr marL="457200" algn="l" defTabSz="457200" rtl="0" eaLnBrk="1" latinLnBrk="0" hangingPunct="1">
-                <a:defRPr sz="1800" kern="1200">
-                  <a:solidFill>
-                    <a:schemeClr val="lt1"/>
-                  </a:solidFill>
-                  <a:latin typeface="+mn-lt"/>
-                  <a:ea typeface="+mn-ea"/>
-                  <a:cs typeface="+mn-cs"/>
-                </a:defRPr>
-              </a:lvl2pPr>
-              <a:lvl3pPr marL="914400" algn="l" defTabSz="457200" rtl="0" eaLnBrk="1" latinLnBrk="0" hangingPunct="1">
-                <a:defRPr sz="1800" kern="1200">
-                  <a:solidFill>
-                    <a:schemeClr val="lt1"/>
-                  </a:solidFill>
-                  <a:latin typeface="+mn-lt"/>
-                  <a:ea typeface="+mn-ea"/>
-                  <a:cs typeface="+mn-cs"/>
-                </a:defRPr>
-              </a:lvl3pPr>
-              <a:lvl4pPr marL="1371600" algn="l" defTabSz="457200" rtl="0" eaLnBrk="1" latinLnBrk="0" hangingPunct="1">
-                <a:defRPr sz="1800" kern="1200">
-                  <a:solidFill>
-                    <a:schemeClr val="lt1"/>
-                  </a:solidFill>
-                  <a:latin typeface="+mn-lt"/>
-                  <a:ea typeface="+mn-ea"/>
-                  <a:cs typeface="+mn-cs"/>
-                </a:defRPr>
-              </a:lvl4pPr>
-              <a:lvl5pPr marL="1828800" algn="l" defTabSz="457200" rtl="0" eaLnBrk="1" latinLnBrk="0" hangingPunct="1">
-                <a:defRPr sz="1800" kern="1200">
-                  <a:solidFill>
-                    <a:schemeClr val="lt1"/>
-                  </a:solidFill>
-                  <a:latin typeface="+mn-lt"/>
-                  <a:ea typeface="+mn-ea"/>
-                  <a:cs typeface="+mn-cs"/>
-                </a:defRPr>
-              </a:lvl5pPr>
-              <a:lvl6pPr marL="2286000" algn="l" defTabSz="457200" rtl="0" eaLnBrk="1" latinLnBrk="0" hangingPunct="1">
-                <a:defRPr sz="1800" kern="1200">
-                  <a:solidFill>
-                    <a:schemeClr val="lt1"/>
-                  </a:solidFill>
-                  <a:latin typeface="+mn-lt"/>
-                  <a:ea typeface="+mn-ea"/>
-                  <a:cs typeface="+mn-cs"/>
-                </a:defRPr>
-              </a:lvl6pPr>
-              <a:lvl7pPr marL="2743200" algn="l" defTabSz="457200" rtl="0" eaLnBrk="1" latinLnBrk="0" hangingPunct="1">
-                <a:defRPr sz="1800" kern="1200">
-                  <a:solidFill>
-                    <a:schemeClr val="lt1"/>
-                  </a:solidFill>
-                  <a:latin typeface="+mn-lt"/>
-                  <a:ea typeface="+mn-ea"/>
-                  <a:cs typeface="+mn-cs"/>
-                </a:defRPr>
-              </a:lvl7pPr>
-              <a:lvl8pPr marL="3200400" algn="l" defTabSz="457200" rtl="0" eaLnBrk="1" latinLnBrk="0" hangingPunct="1">
-                <a:defRPr sz="1800" kern="1200">
-                  <a:solidFill>
-                    <a:schemeClr val="lt1"/>
-                  </a:solidFill>
-                  <a:latin typeface="+mn-lt"/>
-                  <a:ea typeface="+mn-ea"/>
-                  <a:cs typeface="+mn-cs"/>
-                </a:defRPr>
-              </a:lvl8pPr>
-              <a:lvl9pPr marL="3657600" algn="l" defTabSz="457200" rtl="0" eaLnBrk="1" latinLnBrk="0" hangingPunct="1">
-                <a:defRPr sz="1800" kern="1200">
-                  <a:solidFill>
-                    <a:schemeClr val="lt1"/>
-                  </a:solidFill>
-                  <a:latin typeface="+mn-lt"/>
-                  <a:ea typeface="+mn-ea"/>
-                  <a:cs typeface="+mn-cs"/>
-                </a:defRPr>
-              </a:lvl9pPr>
-            </a:lstStyle>
-            <a:p>
-              <a:pPr algn="ctr"/>
-              <a:endParaRPr lang="zh-CN" altLang="en-US">
-                <a:ln w="0">
-                  <a:noFill/>
-                </a:ln>
-              </a:endParaRPr>
-            </a:p>
-          </p:txBody>
-        </p:sp>
-      </p:grpSp>
-      <p:grpSp>
-        <p:nvGrpSpPr>
-          <p:cNvPr id="5" name="组合 4">
+          <p:cNvPr id="5" name="bottom">
             <a:extLst>
               <a:ext uri="{FF2B5EF4-FFF2-40B4-BE49-F238E27FC236}">
                 <a16:creationId xmlns:a16="http://schemas.microsoft.com/office/drawing/2014/main" id="{CA3117E2-FAA7-BE88-E352-4E0BF871D807}"/>
@@ -6388,10 +5441,10 @@
           </p:nvGrpSpPr>
           <p:grpSpPr>
             <a:xfrm>
-              <a:off x="7196318" y="7259815"/>
-              <a:ext cx="2771619" cy="957643"/>
-              <a:chOff x="6770299" y="7337997"/>
-              <a:chExt cx="2771619" cy="957643"/>
+              <a:off x="7196318" y="7297920"/>
+              <a:ext cx="2771619" cy="932243"/>
+              <a:chOff x="6770299" y="7376102"/>
+              <a:chExt cx="2771619" cy="932243"/>
             </a:xfrm>
           </p:grpSpPr>
           <p:grpSp>
@@ -6408,10 +5461,10 @@
             </p:nvGrpSpPr>
             <p:grpSpPr>
               <a:xfrm>
-                <a:off x="6770299" y="7337997"/>
-                <a:ext cx="673485" cy="957643"/>
-                <a:chOff x="6116777" y="7570185"/>
-                <a:chExt cx="838449" cy="1192208"/>
+                <a:off x="6770299" y="7376102"/>
+                <a:ext cx="673485" cy="932243"/>
+                <a:chOff x="6116777" y="7617618"/>
+                <a:chExt cx="838449" cy="1160586"/>
               </a:xfrm>
             </p:grpSpPr>
             <p:pic>
@@ -6429,7 +5482,7 @@
                 <p:nvPr/>
               </p:nvPicPr>
               <p:blipFill>
-                <a:blip r:embed="rId30" cstate="print">
+                <a:blip r:embed="rId29" cstate="print">
                   <a:extLst>
                     <a:ext uri="{28A0092B-C50C-407E-A947-70E740481C1C}">
                       <a14:useLocalDpi xmlns:a14="http://schemas.microsoft.com/office/drawing/2010/main" val="0"/>
@@ -6442,8 +5495,8 @@
               </p:blipFill>
               <p:spPr>
                 <a:xfrm>
-                  <a:off x="6116777" y="7570185"/>
-                  <a:ext cx="813848" cy="813848"/>
+                  <a:off x="6116777" y="7617618"/>
+                  <a:ext cx="813848" cy="813849"/>
                 </a:xfrm>
                 <a:prstGeom prst="rect">
                   <a:avLst/>
@@ -6464,8 +5517,8 @@
               </p:nvSpPr>
               <p:spPr>
                 <a:xfrm>
-                  <a:off x="6141378" y="8302597"/>
-                  <a:ext cx="813848" cy="459796"/>
+                  <a:off x="6141378" y="8318407"/>
+                  <a:ext cx="813848" cy="459797"/>
                 </a:xfrm>
                 <a:prstGeom prst="rect">
                   <a:avLst/>
@@ -6501,7 +5554,7 @@
             </p:nvSpPr>
             <p:spPr>
               <a:xfrm>
-                <a:off x="7831865" y="7542734"/>
+                <a:off x="7831865" y="7580834"/>
                 <a:ext cx="1710053" cy="364871"/>
               </a:xfrm>
               <a:prstGeom prst="flowChartTerminator">
@@ -6554,7 +5607,7 @@
             </p:nvCxnSpPr>
             <p:spPr>
               <a:xfrm>
-                <a:off x="7443152" y="7725169"/>
+                <a:off x="7443152" y="7763269"/>
                 <a:ext cx="388713" cy="1"/>
               </a:xfrm>
               <a:prstGeom prst="straightConnector1">
@@ -6596,9 +5649,9 @@
             <p:nvPr/>
           </p:nvCxnSpPr>
           <p:spPr>
-            <a:xfrm>
-              <a:off x="9112911" y="7829423"/>
-              <a:ext cx="0" cy="482067"/>
+            <a:xfrm flipH="1">
+              <a:off x="9112910" y="7867523"/>
+              <a:ext cx="1" cy="437327"/>
             </a:xfrm>
             <a:prstGeom prst="straightConnector1">
               <a:avLst/>
@@ -6684,7 +5737,7 @@
             <p:nvPr/>
           </p:nvPicPr>
           <p:blipFill rotWithShape="1">
-            <a:blip r:embed="rId31" cstate="print">
+            <a:blip r:embed="rId30" cstate="print">
               <a:extLst>
                 <a:ext uri="{28A0092B-C50C-407E-A947-70E740481C1C}">
                   <a14:useLocalDpi xmlns:a14="http://schemas.microsoft.com/office/drawing/2010/main" val="0"/>
@@ -7413,7 +6466,7 @@
             <p:nvPr/>
           </p:nvPicPr>
           <p:blipFill rotWithShape="1">
-            <a:blip r:embed="rId32"/>
+            <a:blip r:embed="rId31"/>
             <a:srcRect r="50228"/>
             <a:stretch/>
           </p:blipFill>
@@ -7442,7 +6495,7 @@
             <p:nvPr/>
           </p:nvPicPr>
           <p:blipFill rotWithShape="1">
-            <a:blip r:embed="rId32"/>
+            <a:blip r:embed="rId31"/>
             <a:srcRect l="49430"/>
             <a:stretch/>
           </p:blipFill>
@@ -7786,6 +6839,384 @@
           </p:style>
         </p:cxnSp>
       </p:grpSp>
+      <p:sp>
+        <p:nvSpPr>
+          <p:cNvPr id="224" name="矩形: 圆角 17">
+            <a:extLst>
+              <a:ext uri="{FF2B5EF4-FFF2-40B4-BE49-F238E27FC236}">
+                <a16:creationId xmlns:a16="http://schemas.microsoft.com/office/drawing/2014/main" id="{0934D449-F558-8928-3196-8E8F62A36A61}"/>
+              </a:ext>
+            </a:extLst>
+          </p:cNvPr>
+          <p:cNvSpPr/>
+          <p:nvPr/>
+        </p:nvSpPr>
+        <p:spPr>
+          <a:xfrm>
+            <a:off x="799922" y="3093438"/>
+            <a:ext cx="10682853" cy="3927601"/>
+          </a:xfrm>
+          <a:prstGeom prst="roundRect">
+            <a:avLst>
+              <a:gd name="adj" fmla="val 4276"/>
+            </a:avLst>
+          </a:prstGeom>
+          <a:solidFill>
+            <a:schemeClr val="accent2">
+              <a:lumMod val="20000"/>
+              <a:lumOff val="80000"/>
+            </a:schemeClr>
+          </a:solidFill>
+        </p:spPr>
+        <p:style>
+          <a:lnRef idx="2">
+            <a:schemeClr val="accent1">
+              <a:shade val="15000"/>
+            </a:schemeClr>
+          </a:lnRef>
+          <a:fillRef idx="1001">
+            <a:schemeClr val="lt2"/>
+          </a:fillRef>
+          <a:effectRef idx="0">
+            <a:schemeClr val="accent1"/>
+          </a:effectRef>
+          <a:fontRef idx="minor">
+            <a:schemeClr val="lt1"/>
+          </a:fontRef>
+        </p:style>
+        <p:txBody>
+          <a:bodyPr rtlCol="0" anchor="ctr"/>
+          <a:lstStyle/>
+          <a:p>
+            <a:pPr algn="ctr"/>
+            <a:endParaRPr lang="zh-CN" altLang="en-US" dirty="0">
+              <a:solidFill>
+                <a:schemeClr val="tx1"/>
+              </a:solidFill>
+            </a:endParaRPr>
+          </a:p>
+        </p:txBody>
+      </p:sp>
+      <p:pic>
+        <p:nvPicPr>
+          <p:cNvPr id="41" name="图片 40">
+            <a:extLst>
+              <a:ext uri="{FF2B5EF4-FFF2-40B4-BE49-F238E27FC236}">
+                <a16:creationId xmlns:a16="http://schemas.microsoft.com/office/drawing/2014/main" id="{91F25937-10DA-7DFC-6529-192C2197CA8D}"/>
+              </a:ext>
+            </a:extLst>
+          </p:cNvPr>
+          <p:cNvPicPr>
+            <a:picLocks noChangeAspect="1"/>
+          </p:cNvPicPr>
+          <p:nvPr/>
+        </p:nvPicPr>
+        <p:blipFill>
+          <a:blip r:embed="rId32" cstate="print">
+            <a:extLst>
+              <a:ext uri="{28A0092B-C50C-407E-A947-70E740481C1C}">
+                <a14:useLocalDpi xmlns:a14="http://schemas.microsoft.com/office/drawing/2010/main" val="0"/>
+              </a:ext>
+            </a:extLst>
+          </a:blip>
+          <a:srcRect/>
+          <a:stretch/>
+        </p:blipFill>
+        <p:spPr>
+          <a:xfrm>
+            <a:off x="6548815" y="4081471"/>
+            <a:ext cx="4808495" cy="2864059"/>
+          </a:xfrm>
+          <a:prstGeom prst="rect">
+            <a:avLst/>
+          </a:prstGeom>
+        </p:spPr>
+      </p:pic>
+      <p:sp>
+        <p:nvSpPr>
+          <p:cNvPr id="243" name="2.1 文本框">
+            <a:extLst>
+              <a:ext uri="{FF2B5EF4-FFF2-40B4-BE49-F238E27FC236}">
+                <a16:creationId xmlns:a16="http://schemas.microsoft.com/office/drawing/2014/main" id="{8B34DFBE-8540-50A0-D2B5-E3E05D658E64}"/>
+              </a:ext>
+            </a:extLst>
+          </p:cNvPr>
+          <p:cNvSpPr txBox="1"/>
+          <p:nvPr/>
+        </p:nvSpPr>
+        <p:spPr>
+          <a:xfrm>
+            <a:off x="1157687" y="3596205"/>
+            <a:ext cx="4951807" cy="430887"/>
+          </a:xfrm>
+          <a:prstGeom prst="rect">
+            <a:avLst/>
+          </a:prstGeom>
+          <a:noFill/>
+        </p:spPr>
+        <p:txBody>
+          <a:bodyPr wrap="square" rtlCol="0">
+            <a:spAutoFit/>
+          </a:bodyPr>
+          <a:lstStyle/>
+          <a:p>
+            <a:pPr algn="ctr"/>
+            <a:r>
+              <a:rPr lang="en-US" altLang="zh-CN" sz="2200" dirty="0">
+                <a:latin typeface="Calibri" panose="020F0502020204030204" pitchFamily="34" charset="0"/>
+                <a:ea typeface="等线" panose="02010600030101010101" pitchFamily="2" charset="-122"/>
+              </a:rPr>
+              <a:t>2.1 Open terminal &amp; Run command line</a:t>
+            </a:r>
+            <a:endParaRPr lang="en-US" altLang="zh-CN" sz="2200" dirty="0"/>
+          </a:p>
+        </p:txBody>
+      </p:sp>
+      <p:sp>
+        <p:nvSpPr>
+          <p:cNvPr id="244" name="2.2 文本">
+            <a:extLst>
+              <a:ext uri="{FF2B5EF4-FFF2-40B4-BE49-F238E27FC236}">
+                <a16:creationId xmlns:a16="http://schemas.microsoft.com/office/drawing/2014/main" id="{78835B59-DE24-366D-77ED-174749A876EF}"/>
+              </a:ext>
+            </a:extLst>
+          </p:cNvPr>
+          <p:cNvSpPr txBox="1"/>
+          <p:nvPr/>
+        </p:nvSpPr>
+        <p:spPr>
+          <a:xfrm>
+            <a:off x="6513306" y="3630313"/>
+            <a:ext cx="4710401" cy="430887"/>
+          </a:xfrm>
+          <a:prstGeom prst="rect">
+            <a:avLst/>
+          </a:prstGeom>
+          <a:noFill/>
+        </p:spPr>
+        <p:txBody>
+          <a:bodyPr wrap="square" rtlCol="0">
+            <a:spAutoFit/>
+          </a:bodyPr>
+          <a:lstStyle/>
+          <a:p>
+            <a:pPr algn="ctr"/>
+            <a:r>
+              <a:rPr lang="en-US" altLang="zh-CN" sz="2200" dirty="0">
+                <a:latin typeface="Calibri" panose="020F0502020204030204" pitchFamily="34" charset="0"/>
+                <a:ea typeface="等线" panose="02010600030101010101" pitchFamily="2" charset="-122"/>
+              </a:rPr>
+              <a:t>2.2 Open URL &amp;Enter jupyter</a:t>
+            </a:r>
+          </a:p>
+        </p:txBody>
+      </p:sp>
+      <p:sp>
+        <p:nvSpPr>
+          <p:cNvPr id="238" name="2 文本框">
+            <a:extLst>
+              <a:ext uri="{FF2B5EF4-FFF2-40B4-BE49-F238E27FC236}">
+                <a16:creationId xmlns:a16="http://schemas.microsoft.com/office/drawing/2014/main" id="{9C2CDC4E-2CC7-5B34-4401-A8B102AC4431}"/>
+              </a:ext>
+            </a:extLst>
+          </p:cNvPr>
+          <p:cNvSpPr txBox="1"/>
+          <p:nvPr/>
+        </p:nvSpPr>
+        <p:spPr>
+          <a:xfrm>
+            <a:off x="1096409" y="3101746"/>
+            <a:ext cx="4396269" cy="523220"/>
+          </a:xfrm>
+          <a:prstGeom prst="rect">
+            <a:avLst/>
+          </a:prstGeom>
+          <a:noFill/>
+        </p:spPr>
+        <p:txBody>
+          <a:bodyPr wrap="square" rtlCol="0">
+            <a:spAutoFit/>
+          </a:bodyPr>
+          <a:lstStyle/>
+          <a:p>
+            <a:r>
+              <a:rPr lang="en-US" altLang="zh-CN" sz="2800" dirty="0">
+                <a:solidFill>
+                  <a:srgbClr val="000000"/>
+                </a:solidFill>
+                <a:latin typeface="Calibri" panose="020F0502020204030204" pitchFamily="34" charset="0"/>
+                <a:ea typeface="等线" panose="02010600030101010101" pitchFamily="2" charset="-122"/>
+              </a:rPr>
+              <a:t>2. Pull and run dockerHDDM</a:t>
+            </a:r>
+            <a:endParaRPr lang="en-US" altLang="zh-CN" sz="2800" dirty="0"/>
+          </a:p>
+        </p:txBody>
+      </p:sp>
+      <p:sp>
+        <p:nvSpPr>
+          <p:cNvPr id="272" name="red矩形">
+            <a:extLst>
+              <a:ext uri="{FF2B5EF4-FFF2-40B4-BE49-F238E27FC236}">
+                <a16:creationId xmlns:a16="http://schemas.microsoft.com/office/drawing/2014/main" id="{5C44BA87-529B-A0D8-E637-A4837B81491E}"/>
+              </a:ext>
+            </a:extLst>
+          </p:cNvPr>
+          <p:cNvSpPr/>
+          <p:nvPr/>
+        </p:nvSpPr>
+        <p:spPr>
+          <a:xfrm>
+            <a:off x="7216079" y="6440707"/>
+            <a:ext cx="2960782" cy="345421"/>
+          </a:xfrm>
+          <a:prstGeom prst="rect">
+            <a:avLst/>
+          </a:prstGeom>
+          <a:noFill/>
+          <a:ln w="38100">
+            <a:solidFill>
+              <a:srgbClr val="FF0000"/>
+            </a:solidFill>
+            <a:prstDash val="dash"/>
+          </a:ln>
+          <a:extLst>
+            <a:ext uri="{909E8E84-426E-40DD-AFC4-6F175D3DCCD1}">
+              <a14:hiddenFill xmlns:a14="http://schemas.microsoft.com/office/drawing/2010/main">
+                <a:solidFill>
+                  <a:schemeClr val="accent1"/>
+                </a:solidFill>
+              </a14:hiddenFill>
+            </a:ext>
+          </a:extLst>
+        </p:spPr>
+        <p:style>
+          <a:lnRef idx="2">
+            <a:schemeClr val="accent1">
+              <a:lumMod val="75000"/>
+            </a:schemeClr>
+          </a:lnRef>
+          <a:fillRef idx="1">
+            <a:schemeClr val="accent1"/>
+          </a:fillRef>
+          <a:effectRef idx="0">
+            <a:srgbClr val="FFFFFF"/>
+          </a:effectRef>
+          <a:fontRef idx="minor">
+            <a:schemeClr val="lt1"/>
+          </a:fontRef>
+        </p:style>
+        <p:txBody>
+          <a:bodyPr rtlCol="0" anchor="ctr"/>
+          <a:lstStyle>
+            <a:defPPr>
+              <a:defRPr lang="en-US">
+                <a:solidFill>
+                  <a:schemeClr val="lt1"/>
+                </a:solidFill>
+              </a:defRPr>
+            </a:defPPr>
+            <a:lvl1pPr marL="0" algn="l" defTabSz="457200" rtl="0" eaLnBrk="1" latinLnBrk="0" hangingPunct="1">
+              <a:defRPr sz="1800" kern="1200">
+                <a:solidFill>
+                  <a:schemeClr val="lt1"/>
+                </a:solidFill>
+                <a:latin typeface="+mn-lt"/>
+                <a:ea typeface="+mn-ea"/>
+                <a:cs typeface="+mn-cs"/>
+              </a:defRPr>
+            </a:lvl1pPr>
+            <a:lvl2pPr marL="457200" algn="l" defTabSz="457200" rtl="0" eaLnBrk="1" latinLnBrk="0" hangingPunct="1">
+              <a:defRPr sz="1800" kern="1200">
+                <a:solidFill>
+                  <a:schemeClr val="lt1"/>
+                </a:solidFill>
+                <a:latin typeface="+mn-lt"/>
+                <a:ea typeface="+mn-ea"/>
+                <a:cs typeface="+mn-cs"/>
+              </a:defRPr>
+            </a:lvl2pPr>
+            <a:lvl3pPr marL="914400" algn="l" defTabSz="457200" rtl="0" eaLnBrk="1" latinLnBrk="0" hangingPunct="1">
+              <a:defRPr sz="1800" kern="1200">
+                <a:solidFill>
+                  <a:schemeClr val="lt1"/>
+                </a:solidFill>
+                <a:latin typeface="+mn-lt"/>
+                <a:ea typeface="+mn-ea"/>
+                <a:cs typeface="+mn-cs"/>
+              </a:defRPr>
+            </a:lvl3pPr>
+            <a:lvl4pPr marL="1371600" algn="l" defTabSz="457200" rtl="0" eaLnBrk="1" latinLnBrk="0" hangingPunct="1">
+              <a:defRPr sz="1800" kern="1200">
+                <a:solidFill>
+                  <a:schemeClr val="lt1"/>
+                </a:solidFill>
+                <a:latin typeface="+mn-lt"/>
+                <a:ea typeface="+mn-ea"/>
+                <a:cs typeface="+mn-cs"/>
+              </a:defRPr>
+            </a:lvl4pPr>
+            <a:lvl5pPr marL="1828800" algn="l" defTabSz="457200" rtl="0" eaLnBrk="1" latinLnBrk="0" hangingPunct="1">
+              <a:defRPr sz="1800" kern="1200">
+                <a:solidFill>
+                  <a:schemeClr val="lt1"/>
+                </a:solidFill>
+                <a:latin typeface="+mn-lt"/>
+                <a:ea typeface="+mn-ea"/>
+                <a:cs typeface="+mn-cs"/>
+              </a:defRPr>
+            </a:lvl5pPr>
+            <a:lvl6pPr marL="2286000" algn="l" defTabSz="457200" rtl="0" eaLnBrk="1" latinLnBrk="0" hangingPunct="1">
+              <a:defRPr sz="1800" kern="1200">
+                <a:solidFill>
+                  <a:schemeClr val="lt1"/>
+                </a:solidFill>
+                <a:latin typeface="+mn-lt"/>
+                <a:ea typeface="+mn-ea"/>
+                <a:cs typeface="+mn-cs"/>
+              </a:defRPr>
+            </a:lvl6pPr>
+            <a:lvl7pPr marL="2743200" algn="l" defTabSz="457200" rtl="0" eaLnBrk="1" latinLnBrk="0" hangingPunct="1">
+              <a:defRPr sz="1800" kern="1200">
+                <a:solidFill>
+                  <a:schemeClr val="lt1"/>
+                </a:solidFill>
+                <a:latin typeface="+mn-lt"/>
+                <a:ea typeface="+mn-ea"/>
+                <a:cs typeface="+mn-cs"/>
+              </a:defRPr>
+            </a:lvl7pPr>
+            <a:lvl8pPr marL="3200400" algn="l" defTabSz="457200" rtl="0" eaLnBrk="1" latinLnBrk="0" hangingPunct="1">
+              <a:defRPr sz="1800" kern="1200">
+                <a:solidFill>
+                  <a:schemeClr val="lt1"/>
+                </a:solidFill>
+                <a:latin typeface="+mn-lt"/>
+                <a:ea typeface="+mn-ea"/>
+                <a:cs typeface="+mn-cs"/>
+              </a:defRPr>
+            </a:lvl8pPr>
+            <a:lvl9pPr marL="3657600" algn="l" defTabSz="457200" rtl="0" eaLnBrk="1" latinLnBrk="0" hangingPunct="1">
+              <a:defRPr sz="1800" kern="1200">
+                <a:solidFill>
+                  <a:schemeClr val="lt1"/>
+                </a:solidFill>
+                <a:latin typeface="+mn-lt"/>
+                <a:ea typeface="+mn-ea"/>
+                <a:cs typeface="+mn-cs"/>
+              </a:defRPr>
+            </a:lvl9pPr>
+          </a:lstStyle>
+          <a:p>
+            <a:pPr algn="ctr"/>
+            <a:endParaRPr lang="zh-CN" altLang="en-US">
+              <a:ln w="0">
+                <a:noFill/>
+              </a:ln>
+            </a:endParaRPr>
+          </a:p>
+        </p:txBody>
+      </p:sp>
       <p:cxnSp>
         <p:nvCxnSpPr>
           <p:cNvPr id="271" name="连接符: 曲线 270">
@@ -7797,21 +7228,814 @@
           </p:cNvPr>
           <p:cNvCxnSpPr>
             <a:cxnSpLocks/>
-            <a:stCxn id="272" idx="1"/>
           </p:cNvCxnSpPr>
           <p:nvPr/>
         </p:nvCxnSpPr>
         <p:spPr>
-          <a:xfrm rot="10800000" flipV="1">
-            <a:off x="5609169" y="6679319"/>
-            <a:ext cx="2269279" cy="1338614"/>
+          <a:xfrm rot="5400000">
+            <a:off x="5882355" y="6529615"/>
+            <a:ext cx="1124794" cy="1675159"/>
           </a:xfrm>
-          <a:prstGeom prst="curvedConnector3">
+          <a:prstGeom prst="curvedConnector2">
+            <a:avLst/>
+          </a:prstGeom>
+          <a:ln w="28575">
+            <a:solidFill>
+              <a:srgbClr val="BD374A"/>
+            </a:solidFill>
+            <a:tailEnd type="triangle"/>
+          </a:ln>
+        </p:spPr>
+        <p:style>
+          <a:lnRef idx="1">
+            <a:schemeClr val="accent1"/>
+          </a:lnRef>
+          <a:fillRef idx="0">
+            <a:schemeClr val="accent1"/>
+          </a:fillRef>
+          <a:effectRef idx="0">
+            <a:schemeClr val="accent1"/>
+          </a:effectRef>
+          <a:fontRef idx="minor">
+            <a:schemeClr val="tx1"/>
+          </a:fontRef>
+        </p:style>
+      </p:cxnSp>
+      <p:grpSp>
+        <p:nvGrpSpPr>
+          <p:cNvPr id="15" name="组合 14">
+            <a:extLst>
+              <a:ext uri="{FF2B5EF4-FFF2-40B4-BE49-F238E27FC236}">
+                <a16:creationId xmlns:a16="http://schemas.microsoft.com/office/drawing/2014/main" id="{2B1055E8-9AEC-A3D3-4B7D-EF9C60FB4DE2}"/>
+              </a:ext>
+            </a:extLst>
+          </p:cNvPr>
+          <p:cNvGrpSpPr/>
+          <p:nvPr/>
+        </p:nvGrpSpPr>
+        <p:grpSpPr>
+          <a:xfrm>
+            <a:off x="1157687" y="4043232"/>
+            <a:ext cx="4951808" cy="2887049"/>
+            <a:chOff x="1348187" y="4043232"/>
+            <a:chExt cx="4951808" cy="2887049"/>
+          </a:xfrm>
+        </p:grpSpPr>
+        <p:sp>
+          <p:nvSpPr>
+            <p:cNvPr id="4" name="banner">
+              <a:extLst>
+                <a:ext uri="{FF2B5EF4-FFF2-40B4-BE49-F238E27FC236}">
+                  <a16:creationId xmlns:a16="http://schemas.microsoft.com/office/drawing/2014/main" id="{D95D9393-A174-894D-058D-40265D4CBFE8}"/>
+                </a:ext>
+              </a:extLst>
+            </p:cNvPr>
+            <p:cNvSpPr/>
+            <p:nvPr/>
+          </p:nvSpPr>
+          <p:spPr>
+            <a:xfrm>
+              <a:off x="1348187" y="4043232"/>
+              <a:ext cx="4951807" cy="523219"/>
+            </a:xfrm>
+            <a:prstGeom prst="roundRect">
+              <a:avLst>
+                <a:gd name="adj" fmla="val 25428"/>
+              </a:avLst>
+            </a:prstGeom>
+            <a:ln>
+              <a:noFill/>
+            </a:ln>
+          </p:spPr>
+          <p:style>
+            <a:lnRef idx="2">
+              <a:schemeClr val="dk1">
+                <a:shade val="15000"/>
+              </a:schemeClr>
+            </a:lnRef>
+            <a:fillRef idx="1">
+              <a:schemeClr val="dk1"/>
+            </a:fillRef>
+            <a:effectRef idx="0">
+              <a:schemeClr val="dk1"/>
+            </a:effectRef>
+            <a:fontRef idx="minor">
+              <a:schemeClr val="lt1"/>
+            </a:fontRef>
+          </p:style>
+          <p:txBody>
+            <a:bodyPr rtlCol="0" anchor="ctr"/>
+            <a:lstStyle/>
+            <a:p>
+              <a:pPr algn="ctr"/>
+              <a:r>
+                <a:rPr lang="en-US" altLang="zh-CN" sz="1600"/>
+                <a:t>         Terminal</a:t>
+              </a:r>
+            </a:p>
+            <a:p>
+              <a:pPr algn="ctr"/>
+              <a:endParaRPr lang="zh-CN" altLang="en-US" sz="1600"/>
+            </a:p>
+          </p:txBody>
+        </p:sp>
+        <p:sp>
+          <p:nvSpPr>
+            <p:cNvPr id="240" name="code">
+              <a:extLst>
+                <a:ext uri="{FF2B5EF4-FFF2-40B4-BE49-F238E27FC236}">
+                  <a16:creationId xmlns:a16="http://schemas.microsoft.com/office/drawing/2014/main" id="{772B8031-8C3E-6D18-2132-F240F00E7CC2}"/>
+                </a:ext>
+              </a:extLst>
+            </p:cNvPr>
+            <p:cNvSpPr txBox="1"/>
+            <p:nvPr/>
+          </p:nvSpPr>
+          <p:spPr>
+            <a:xfrm>
+              <a:off x="1348187" y="4375736"/>
+              <a:ext cx="4951808" cy="2554545"/>
+            </a:xfrm>
+            <a:prstGeom prst="rect">
+              <a:avLst/>
+            </a:prstGeom>
+            <a:solidFill>
+              <a:srgbClr val="20232A"/>
+            </a:solidFill>
+          </p:spPr>
+          <p:txBody>
+            <a:bodyPr wrap="square" rtlCol="0">
+              <a:spAutoFit/>
+            </a:bodyPr>
+            <a:lstStyle>
+              <a:defPPr>
+                <a:defRPr lang="en-US"/>
+              </a:defPPr>
+              <a:lvl1pPr marL="0" algn="l" defTabSz="457200" rtl="0" eaLnBrk="1" latinLnBrk="0" hangingPunct="1">
+                <a:defRPr sz="1800" kern="1200">
+                  <a:solidFill>
+                    <a:schemeClr val="tx1"/>
+                  </a:solidFill>
+                  <a:latin typeface="+mn-lt"/>
+                  <a:ea typeface="+mn-ea"/>
+                  <a:cs typeface="+mn-cs"/>
+                </a:defRPr>
+              </a:lvl1pPr>
+              <a:lvl2pPr marL="457200" algn="l" defTabSz="457200" rtl="0" eaLnBrk="1" latinLnBrk="0" hangingPunct="1">
+                <a:defRPr sz="1800" kern="1200">
+                  <a:solidFill>
+                    <a:schemeClr val="tx1"/>
+                  </a:solidFill>
+                  <a:latin typeface="+mn-lt"/>
+                  <a:ea typeface="+mn-ea"/>
+                  <a:cs typeface="+mn-cs"/>
+                </a:defRPr>
+              </a:lvl2pPr>
+              <a:lvl3pPr marL="914400" algn="l" defTabSz="457200" rtl="0" eaLnBrk="1" latinLnBrk="0" hangingPunct="1">
+                <a:defRPr sz="1800" kern="1200">
+                  <a:solidFill>
+                    <a:schemeClr val="tx1"/>
+                  </a:solidFill>
+                  <a:latin typeface="+mn-lt"/>
+                  <a:ea typeface="+mn-ea"/>
+                  <a:cs typeface="+mn-cs"/>
+                </a:defRPr>
+              </a:lvl3pPr>
+              <a:lvl4pPr marL="1371600" algn="l" defTabSz="457200" rtl="0" eaLnBrk="1" latinLnBrk="0" hangingPunct="1">
+                <a:defRPr sz="1800" kern="1200">
+                  <a:solidFill>
+                    <a:schemeClr val="tx1"/>
+                  </a:solidFill>
+                  <a:latin typeface="+mn-lt"/>
+                  <a:ea typeface="+mn-ea"/>
+                  <a:cs typeface="+mn-cs"/>
+                </a:defRPr>
+              </a:lvl4pPr>
+              <a:lvl5pPr marL="1828800" algn="l" defTabSz="457200" rtl="0" eaLnBrk="1" latinLnBrk="0" hangingPunct="1">
+                <a:defRPr sz="1800" kern="1200">
+                  <a:solidFill>
+                    <a:schemeClr val="tx1"/>
+                  </a:solidFill>
+                  <a:latin typeface="+mn-lt"/>
+                  <a:ea typeface="+mn-ea"/>
+                  <a:cs typeface="+mn-cs"/>
+                </a:defRPr>
+              </a:lvl5pPr>
+              <a:lvl6pPr marL="2286000" algn="l" defTabSz="457200" rtl="0" eaLnBrk="1" latinLnBrk="0" hangingPunct="1">
+                <a:defRPr sz="1800" kern="1200">
+                  <a:solidFill>
+                    <a:schemeClr val="tx1"/>
+                  </a:solidFill>
+                  <a:latin typeface="+mn-lt"/>
+                  <a:ea typeface="+mn-ea"/>
+                  <a:cs typeface="+mn-cs"/>
+                </a:defRPr>
+              </a:lvl6pPr>
+              <a:lvl7pPr marL="2743200" algn="l" defTabSz="457200" rtl="0" eaLnBrk="1" latinLnBrk="0" hangingPunct="1">
+                <a:defRPr sz="1800" kern="1200">
+                  <a:solidFill>
+                    <a:schemeClr val="tx1"/>
+                  </a:solidFill>
+                  <a:latin typeface="+mn-lt"/>
+                  <a:ea typeface="+mn-ea"/>
+                  <a:cs typeface="+mn-cs"/>
+                </a:defRPr>
+              </a:lvl7pPr>
+              <a:lvl8pPr marL="3200400" algn="l" defTabSz="457200" rtl="0" eaLnBrk="1" latinLnBrk="0" hangingPunct="1">
+                <a:defRPr sz="1800" kern="1200">
+                  <a:solidFill>
+                    <a:schemeClr val="tx1"/>
+                  </a:solidFill>
+                  <a:latin typeface="+mn-lt"/>
+                  <a:ea typeface="+mn-ea"/>
+                  <a:cs typeface="+mn-cs"/>
+                </a:defRPr>
+              </a:lvl8pPr>
+              <a:lvl9pPr marL="3657600" algn="l" defTabSz="457200" rtl="0" eaLnBrk="1" latinLnBrk="0" hangingPunct="1">
+                <a:defRPr sz="1800" kern="1200">
+                  <a:solidFill>
+                    <a:schemeClr val="tx1"/>
+                  </a:solidFill>
+                  <a:latin typeface="+mn-lt"/>
+                  <a:ea typeface="+mn-ea"/>
+                  <a:cs typeface="+mn-cs"/>
+                </a:defRPr>
+              </a:lvl9pPr>
+            </a:lstStyle>
+            <a:p>
+              <a:pPr eaLnBrk="0" latinLnBrk="1" hangingPunct="0"/>
+              <a:r>
+                <a:rPr lang="en-US" altLang="zh-CN" sz="1400" dirty="0">
+                  <a:solidFill>
+                    <a:srgbClr val="A9D18E"/>
+                  </a:solidFill>
+                  <a:latin typeface="Consolas" panose="020B0609020204030204" pitchFamily="49" charset="0"/>
+                  <a:sym typeface="+mn-ea"/>
+                </a:rPr>
+                <a:t>user@DESKTOP</a:t>
+              </a:r>
+              <a:r>
+                <a:rPr lang="en-US" altLang="zh-CN" sz="1400" dirty="0">
+                  <a:solidFill>
+                    <a:srgbClr val="E3E6EB"/>
+                  </a:solidFill>
+                  <a:latin typeface="Consolas" panose="020B0609020204030204" pitchFamily="49" charset="0"/>
+                  <a:sym typeface="+mn-ea"/>
+                </a:rPr>
+                <a:t>:/$ </a:t>
+              </a:r>
+              <a:r>
+                <a:rPr lang="en-US" altLang="zh-CN" sz="1500" b="1" dirty="0">
+                  <a:solidFill>
+                    <a:srgbClr val="FFC000"/>
+                  </a:solidFill>
+                  <a:effectLst>
+                    <a:outerShdw blurRad="38100" dist="38100" dir="2700000" algn="tl">
+                      <a:srgbClr val="000000">
+                        <a:alpha val="43137"/>
+                      </a:srgbClr>
+                    </a:outerShdw>
+                  </a:effectLst>
+                  <a:latin typeface="Consolas" panose="020B0609020204030204" pitchFamily="49" charset="0"/>
+                  <a:sym typeface="+mn-ea"/>
+                </a:rPr>
+                <a:t>docker</a:t>
+              </a:r>
+              <a:r>
+                <a:rPr lang="en-US" altLang="zh-CN" sz="1500" b="1" dirty="0">
+                  <a:solidFill>
+                    <a:srgbClr val="E3E6EB"/>
+                  </a:solidFill>
+                  <a:effectLst>
+                    <a:outerShdw blurRad="38100" dist="38100" dir="2700000" algn="tl">
+                      <a:srgbClr val="000000">
+                        <a:alpha val="43137"/>
+                      </a:srgbClr>
+                    </a:outerShdw>
+                  </a:effectLst>
+                  <a:latin typeface="Consolas" panose="020B0609020204030204" pitchFamily="49" charset="0"/>
+                  <a:sym typeface="+mn-ea"/>
+                </a:rPr>
+                <a:t> </a:t>
+              </a:r>
+              <a:r>
+                <a:rPr lang="en-US" altLang="zh-CN" sz="1500" b="1" dirty="0">
+                  <a:solidFill>
+                    <a:srgbClr val="00B0F0"/>
+                  </a:solidFill>
+                  <a:effectLst>
+                    <a:outerShdw blurRad="38100" dist="38100" dir="2700000" algn="tl">
+                      <a:srgbClr val="000000">
+                        <a:alpha val="43137"/>
+                      </a:srgbClr>
+                    </a:outerShdw>
+                  </a:effectLst>
+                  <a:latin typeface="Consolas" panose="020B0609020204030204" pitchFamily="49" charset="0"/>
+                  <a:sym typeface="+mn-ea"/>
+                </a:rPr>
+                <a:t>pull</a:t>
+              </a:r>
+              <a:r>
+                <a:rPr lang="en-US" altLang="zh-CN" sz="1500" b="1" dirty="0">
+                  <a:solidFill>
+                    <a:srgbClr val="E3E6EB"/>
+                  </a:solidFill>
+                  <a:effectLst>
+                    <a:outerShdw blurRad="38100" dist="38100" dir="2700000" algn="tl">
+                      <a:srgbClr val="000000">
+                        <a:alpha val="43137"/>
+                      </a:srgbClr>
+                    </a:outerShdw>
+                  </a:effectLst>
+                  <a:latin typeface="Consolas" panose="020B0609020204030204" pitchFamily="49" charset="0"/>
+                  <a:sym typeface="+mn-ea"/>
+                </a:rPr>
+                <a:t> hcp4715/dockerHDDM</a:t>
+              </a:r>
+              <a:endParaRPr lang="en-US" altLang="zh-CN" sz="1500" b="1" dirty="0">
+                <a:solidFill>
+                  <a:schemeClr val="accent6">
+                    <a:lumMod val="60000"/>
+                    <a:lumOff val="40000"/>
+                  </a:schemeClr>
+                </a:solidFill>
+                <a:effectLst>
+                  <a:outerShdw blurRad="38100" dist="38100" dir="2700000" algn="tl">
+                    <a:srgbClr val="000000">
+                      <a:alpha val="43137"/>
+                    </a:srgbClr>
+                  </a:outerShdw>
+                </a:effectLst>
+                <a:latin typeface="Consolas" panose="020B0609020204030204" pitchFamily="49" charset="0"/>
+              </a:endParaRPr>
+            </a:p>
+            <a:p>
+              <a:pPr eaLnBrk="0" latinLnBrk="1" hangingPunct="0"/>
+              <a:r>
+                <a:rPr lang="en-US" altLang="zh-CN" sz="1400" dirty="0">
+                  <a:solidFill>
+                    <a:srgbClr val="A9D18E"/>
+                  </a:solidFill>
+                  <a:latin typeface="Consolas" panose="020B0609020204030204" pitchFamily="49" charset="0"/>
+                </a:rPr>
+                <a:t>user@DESKTOP</a:t>
+              </a:r>
+              <a:r>
+                <a:rPr lang="en-US" altLang="zh-CN" sz="1400" dirty="0">
+                  <a:solidFill>
+                    <a:srgbClr val="E3E6EB"/>
+                  </a:solidFill>
+                  <a:latin typeface="Consolas" panose="020B0609020204030204" pitchFamily="49" charset="0"/>
+                </a:rPr>
+                <a:t>:/$ </a:t>
+              </a:r>
+              <a:r>
+                <a:rPr lang="en-US" altLang="zh-CN" sz="1500" b="1" dirty="0">
+                  <a:solidFill>
+                    <a:srgbClr val="FFC000"/>
+                  </a:solidFill>
+                  <a:effectLst>
+                    <a:outerShdw blurRad="38100" dist="38100" dir="2700000" algn="tl">
+                      <a:srgbClr val="000000">
+                        <a:alpha val="43137"/>
+                      </a:srgbClr>
+                    </a:outerShdw>
+                  </a:effectLst>
+                  <a:latin typeface="Consolas" panose="020B0609020204030204" pitchFamily="49" charset="0"/>
+                </a:rPr>
+                <a:t>docker</a:t>
+              </a:r>
+              <a:r>
+                <a:rPr lang="en-US" altLang="zh-CN" sz="1500" b="1" dirty="0">
+                  <a:solidFill>
+                    <a:srgbClr val="E3E6EB"/>
+                  </a:solidFill>
+                  <a:effectLst>
+                    <a:outerShdw blurRad="38100" dist="38100" dir="2700000" algn="tl">
+                      <a:srgbClr val="000000">
+                        <a:alpha val="43137"/>
+                      </a:srgbClr>
+                    </a:outerShdw>
+                  </a:effectLst>
+                  <a:latin typeface="Consolas" panose="020B0609020204030204" pitchFamily="49" charset="0"/>
+                </a:rPr>
+                <a:t> </a:t>
+              </a:r>
+              <a:r>
+                <a:rPr lang="en-US" altLang="zh-CN" sz="1500" b="1" dirty="0">
+                  <a:solidFill>
+                    <a:srgbClr val="00B0F0"/>
+                  </a:solidFill>
+                  <a:effectLst>
+                    <a:outerShdw blurRad="38100" dist="38100" dir="2700000" algn="tl">
+                      <a:srgbClr val="000000">
+                        <a:alpha val="43137"/>
+                      </a:srgbClr>
+                    </a:outerShdw>
+                  </a:effectLst>
+                  <a:latin typeface="Consolas" panose="020B0609020204030204" pitchFamily="49" charset="0"/>
+                </a:rPr>
+                <a:t>run</a:t>
+              </a:r>
+              <a:r>
+                <a:rPr lang="en-US" altLang="zh-CN" sz="1500" b="1" dirty="0">
+                  <a:solidFill>
+                    <a:srgbClr val="E3E6EB"/>
+                  </a:solidFill>
+                  <a:effectLst>
+                    <a:outerShdw blurRad="38100" dist="38100" dir="2700000" algn="tl">
+                      <a:srgbClr val="000000">
+                        <a:alpha val="43137"/>
+                      </a:srgbClr>
+                    </a:outerShdw>
+                  </a:effectLst>
+                  <a:latin typeface="Consolas" panose="020B0609020204030204" pitchFamily="49" charset="0"/>
+                </a:rPr>
+                <a:t> -p 8888:8888 -it --rm hcp4715/</a:t>
+              </a:r>
+              <a:r>
+                <a:rPr lang="en-US" altLang="zh-CN" sz="1500" b="1" dirty="0">
+                  <a:solidFill>
+                    <a:srgbClr val="E3E6EB"/>
+                  </a:solidFill>
+                  <a:effectLst>
+                    <a:outerShdw blurRad="38100" dist="38100" dir="2700000" algn="tl">
+                      <a:srgbClr val="000000">
+                        <a:alpha val="43137"/>
+                      </a:srgbClr>
+                    </a:outerShdw>
+                  </a:effectLst>
+                  <a:latin typeface="Consolas" panose="020B0609020204030204" pitchFamily="49" charset="0"/>
+                  <a:sym typeface="+mn-ea"/>
+                </a:rPr>
+                <a:t>dockerHDDM</a:t>
+              </a:r>
+              <a:r>
+                <a:rPr lang="en-US" altLang="zh-CN" sz="1500" b="1" dirty="0">
+                  <a:solidFill>
+                    <a:srgbClr val="E3E6EB"/>
+                  </a:solidFill>
+                  <a:effectLst>
+                    <a:outerShdw blurRad="38100" dist="38100" dir="2700000" algn="tl">
+                      <a:srgbClr val="000000">
+                        <a:alpha val="43137"/>
+                      </a:srgbClr>
+                    </a:outerShdw>
+                  </a:effectLst>
+                  <a:latin typeface="Consolas" panose="020B0609020204030204" pitchFamily="49" charset="0"/>
+                </a:rPr>
+                <a:t> </a:t>
+              </a:r>
+              <a:r>
+                <a:rPr lang="en-US" altLang="zh-CN" sz="1500" b="1">
+                  <a:solidFill>
+                    <a:srgbClr val="E3E6EB"/>
+                  </a:solidFill>
+                  <a:effectLst>
+                    <a:outerShdw blurRad="38100" dist="38100" dir="2700000" algn="tl">
+                      <a:srgbClr val="000000">
+                        <a:alpha val="43137"/>
+                      </a:srgbClr>
+                    </a:outerShdw>
+                  </a:effectLst>
+                  <a:latin typeface="Consolas" panose="020B0609020204030204" pitchFamily="49" charset="0"/>
+                </a:rPr>
+                <a:t>jupyter notebook</a:t>
+              </a:r>
+              <a:endParaRPr lang="en-US" altLang="zh-CN" sz="1500" b="1" dirty="0">
+                <a:solidFill>
+                  <a:srgbClr val="A9D18E"/>
+                </a:solidFill>
+                <a:latin typeface="Consolas" panose="020B0609020204030204" pitchFamily="49" charset="0"/>
+              </a:endParaRPr>
+            </a:p>
+            <a:p>
+              <a:pPr eaLnBrk="0" latinLnBrk="1" hangingPunct="0"/>
+              <a:r>
+                <a:rPr lang="en-US" altLang="zh-CN" sz="1400" dirty="0">
+                  <a:solidFill>
+                    <a:srgbClr val="E3E6EB"/>
+                  </a:solidFill>
+                  <a:latin typeface="Consolas" panose="020B0609020204030204" pitchFamily="49" charset="0"/>
+                </a:rPr>
+                <a:t>[C </a:t>
+              </a:r>
+              <a:r>
+                <a:rPr lang="en-US" altLang="zh-CN" sz="1400">
+                  <a:solidFill>
+                    <a:srgbClr val="E3E6EB"/>
+                  </a:solidFill>
+                  <a:latin typeface="Consolas" panose="020B0609020204030204" pitchFamily="49" charset="0"/>
+                </a:rPr>
+                <a:t>06:50:52.342 NotebookApp]</a:t>
+              </a:r>
+              <a:endParaRPr lang="en-US" altLang="zh-CN" sz="1400" dirty="0">
+                <a:solidFill>
+                  <a:srgbClr val="E3E6EB"/>
+                </a:solidFill>
+                <a:latin typeface="Consolas" panose="020B0609020204030204" pitchFamily="49" charset="0"/>
+              </a:endParaRPr>
+            </a:p>
+            <a:p>
+              <a:pPr eaLnBrk="0" latinLnBrk="1" hangingPunct="0"/>
+              <a:r>
+                <a:rPr lang="en-US" altLang="zh-CN" sz="1400">
+                  <a:solidFill>
+                    <a:srgbClr val="E3E6EB"/>
+                  </a:solidFill>
+                  <a:latin typeface="Consolas" panose="020B0609020204030204" pitchFamily="49" charset="0"/>
+                </a:rPr>
+                <a:t>    </a:t>
+              </a:r>
+              <a:r>
+                <a:rPr lang="en-US" altLang="zh-CN" sz="1400" dirty="0">
+                  <a:solidFill>
+                    <a:srgbClr val="E3E6EB"/>
+                  </a:solidFill>
+                  <a:latin typeface="Consolas" panose="020B0609020204030204" pitchFamily="49" charset="0"/>
+                </a:rPr>
+                <a:t>To access the notebook, open this file in a browser:</a:t>
+              </a:r>
+            </a:p>
+            <a:p>
+              <a:pPr eaLnBrk="0" latinLnBrk="1" hangingPunct="0"/>
+              <a:r>
+                <a:rPr lang="en-US" altLang="zh-CN" sz="1400" dirty="0">
+                  <a:solidFill>
+                    <a:srgbClr val="E3E6EB"/>
+                  </a:solidFill>
+                  <a:latin typeface="Consolas" panose="020B0609020204030204" pitchFamily="49" charset="0"/>
+                </a:rPr>
+                <a:t>        file:///home/jovyan/.local/share/jupyter/runtime/nbserver-7-open.html</a:t>
+              </a:r>
+            </a:p>
+            <a:p>
+              <a:pPr eaLnBrk="0" latinLnBrk="1" hangingPunct="0"/>
+              <a:r>
+                <a:rPr lang="en-US" altLang="zh-CN" sz="1400" dirty="0">
+                  <a:solidFill>
+                    <a:srgbClr val="E3E6EB"/>
+                  </a:solidFill>
+                  <a:latin typeface="Consolas" panose="020B0609020204030204" pitchFamily="49" charset="0"/>
+                </a:rPr>
+                <a:t>    Or copy and paste one of these URLs:</a:t>
+              </a:r>
+            </a:p>
+            <a:p>
+              <a:pPr eaLnBrk="0" latinLnBrk="1" hangingPunct="0"/>
+              <a:r>
+                <a:rPr lang="en-US" altLang="zh-CN" sz="1400" dirty="0">
+                  <a:solidFill>
+                    <a:srgbClr val="E3E6EB"/>
+                  </a:solidFill>
+                  <a:latin typeface="Consolas" panose="020B0609020204030204" pitchFamily="49" charset="0"/>
+                </a:rPr>
+                <a:t>        http://92ea06ad8c6d:8888/?token=0ce749eb</a:t>
+              </a:r>
+            </a:p>
+            <a:p>
+              <a:pPr eaLnBrk="0" latinLnBrk="1" hangingPunct="0"/>
+              <a:r>
+                <a:rPr lang="en-US" altLang="zh-CN" sz="1400" dirty="0">
+                  <a:solidFill>
+                    <a:srgbClr val="E3E6EB"/>
+                  </a:solidFill>
+                  <a:latin typeface="Consolas" panose="020B0609020204030204" pitchFamily="49" charset="0"/>
+                </a:rPr>
+                <a:t>     or http://127.0.0.1:8888/?token=0ce749eb</a:t>
+              </a:r>
+            </a:p>
+          </p:txBody>
+        </p:sp>
+        <p:sp>
+          <p:nvSpPr>
+            <p:cNvPr id="241" name="red矩形">
+              <a:extLst>
+                <a:ext uri="{FF2B5EF4-FFF2-40B4-BE49-F238E27FC236}">
+                  <a16:creationId xmlns:a16="http://schemas.microsoft.com/office/drawing/2014/main" id="{1A3CFD29-BC6F-72A4-DE7D-1E589B728745}"/>
+                </a:ext>
+              </a:extLst>
+            </p:cNvPr>
+            <p:cNvSpPr/>
+            <p:nvPr/>
+          </p:nvSpPr>
+          <p:spPr>
+            <a:xfrm>
+              <a:off x="1808317" y="6182251"/>
+              <a:ext cx="4396269" cy="642594"/>
+            </a:xfrm>
+            <a:prstGeom prst="rect">
+              <a:avLst/>
+            </a:prstGeom>
+            <a:noFill/>
+            <a:ln w="38100">
+              <a:solidFill>
+                <a:srgbClr val="FF0000"/>
+              </a:solidFill>
+              <a:prstDash val="dash"/>
+            </a:ln>
+            <a:extLst>
+              <a:ext uri="{909E8E84-426E-40DD-AFC4-6F175D3DCCD1}">
+                <a14:hiddenFill xmlns:a14="http://schemas.microsoft.com/office/drawing/2010/main">
+                  <a:solidFill>
+                    <a:schemeClr val="accent1"/>
+                  </a:solidFill>
+                </a14:hiddenFill>
+              </a:ext>
+            </a:extLst>
+          </p:spPr>
+          <p:style>
+            <a:lnRef idx="2">
+              <a:schemeClr val="accent1">
+                <a:lumMod val="75000"/>
+              </a:schemeClr>
+            </a:lnRef>
+            <a:fillRef idx="1">
+              <a:schemeClr val="accent1"/>
+            </a:fillRef>
+            <a:effectRef idx="0">
+              <a:srgbClr val="FFFFFF"/>
+            </a:effectRef>
+            <a:fontRef idx="minor">
+              <a:schemeClr val="lt1"/>
+            </a:fontRef>
+          </p:style>
+          <p:txBody>
+            <a:bodyPr rtlCol="0" anchor="ctr"/>
+            <a:lstStyle>
+              <a:defPPr>
+                <a:defRPr lang="en-US">
+                  <a:solidFill>
+                    <a:schemeClr val="lt1"/>
+                  </a:solidFill>
+                </a:defRPr>
+              </a:defPPr>
+              <a:lvl1pPr marL="0" algn="l" defTabSz="457200" rtl="0" eaLnBrk="1" latinLnBrk="0" hangingPunct="1">
+                <a:defRPr sz="1800" kern="1200">
+                  <a:solidFill>
+                    <a:schemeClr val="lt1"/>
+                  </a:solidFill>
+                  <a:latin typeface="+mn-lt"/>
+                  <a:ea typeface="+mn-ea"/>
+                  <a:cs typeface="+mn-cs"/>
+                </a:defRPr>
+              </a:lvl1pPr>
+              <a:lvl2pPr marL="457200" algn="l" defTabSz="457200" rtl="0" eaLnBrk="1" latinLnBrk="0" hangingPunct="1">
+                <a:defRPr sz="1800" kern="1200">
+                  <a:solidFill>
+                    <a:schemeClr val="lt1"/>
+                  </a:solidFill>
+                  <a:latin typeface="+mn-lt"/>
+                  <a:ea typeface="+mn-ea"/>
+                  <a:cs typeface="+mn-cs"/>
+                </a:defRPr>
+              </a:lvl2pPr>
+              <a:lvl3pPr marL="914400" algn="l" defTabSz="457200" rtl="0" eaLnBrk="1" latinLnBrk="0" hangingPunct="1">
+                <a:defRPr sz="1800" kern="1200">
+                  <a:solidFill>
+                    <a:schemeClr val="lt1"/>
+                  </a:solidFill>
+                  <a:latin typeface="+mn-lt"/>
+                  <a:ea typeface="+mn-ea"/>
+                  <a:cs typeface="+mn-cs"/>
+                </a:defRPr>
+              </a:lvl3pPr>
+              <a:lvl4pPr marL="1371600" algn="l" defTabSz="457200" rtl="0" eaLnBrk="1" latinLnBrk="0" hangingPunct="1">
+                <a:defRPr sz="1800" kern="1200">
+                  <a:solidFill>
+                    <a:schemeClr val="lt1"/>
+                  </a:solidFill>
+                  <a:latin typeface="+mn-lt"/>
+                  <a:ea typeface="+mn-ea"/>
+                  <a:cs typeface="+mn-cs"/>
+                </a:defRPr>
+              </a:lvl4pPr>
+              <a:lvl5pPr marL="1828800" algn="l" defTabSz="457200" rtl="0" eaLnBrk="1" latinLnBrk="0" hangingPunct="1">
+                <a:defRPr sz="1800" kern="1200">
+                  <a:solidFill>
+                    <a:schemeClr val="lt1"/>
+                  </a:solidFill>
+                  <a:latin typeface="+mn-lt"/>
+                  <a:ea typeface="+mn-ea"/>
+                  <a:cs typeface="+mn-cs"/>
+                </a:defRPr>
+              </a:lvl5pPr>
+              <a:lvl6pPr marL="2286000" algn="l" defTabSz="457200" rtl="0" eaLnBrk="1" latinLnBrk="0" hangingPunct="1">
+                <a:defRPr sz="1800" kern="1200">
+                  <a:solidFill>
+                    <a:schemeClr val="lt1"/>
+                  </a:solidFill>
+                  <a:latin typeface="+mn-lt"/>
+                  <a:ea typeface="+mn-ea"/>
+                  <a:cs typeface="+mn-cs"/>
+                </a:defRPr>
+              </a:lvl6pPr>
+              <a:lvl7pPr marL="2743200" algn="l" defTabSz="457200" rtl="0" eaLnBrk="1" latinLnBrk="0" hangingPunct="1">
+                <a:defRPr sz="1800" kern="1200">
+                  <a:solidFill>
+                    <a:schemeClr val="lt1"/>
+                  </a:solidFill>
+                  <a:latin typeface="+mn-lt"/>
+                  <a:ea typeface="+mn-ea"/>
+                  <a:cs typeface="+mn-cs"/>
+                </a:defRPr>
+              </a:lvl7pPr>
+              <a:lvl8pPr marL="3200400" algn="l" defTabSz="457200" rtl="0" eaLnBrk="1" latinLnBrk="0" hangingPunct="1">
+                <a:defRPr sz="1800" kern="1200">
+                  <a:solidFill>
+                    <a:schemeClr val="lt1"/>
+                  </a:solidFill>
+                  <a:latin typeface="+mn-lt"/>
+                  <a:ea typeface="+mn-ea"/>
+                  <a:cs typeface="+mn-cs"/>
+                </a:defRPr>
+              </a:lvl8pPr>
+              <a:lvl9pPr marL="3657600" algn="l" defTabSz="457200" rtl="0" eaLnBrk="1" latinLnBrk="0" hangingPunct="1">
+                <a:defRPr sz="1800" kern="1200">
+                  <a:solidFill>
+                    <a:schemeClr val="lt1"/>
+                  </a:solidFill>
+                  <a:latin typeface="+mn-lt"/>
+                  <a:ea typeface="+mn-ea"/>
+                  <a:cs typeface="+mn-cs"/>
+                </a:defRPr>
+              </a:lvl9pPr>
+            </a:lstStyle>
+            <a:p>
+              <a:pPr algn="ctr"/>
+              <a:endParaRPr lang="zh-CN" altLang="en-US">
+                <a:ln w="0">
+                  <a:noFill/>
+                </a:ln>
+              </a:endParaRPr>
+            </a:p>
+          </p:txBody>
+        </p:sp>
+        <p:pic>
+          <p:nvPicPr>
+            <p:cNvPr id="8" name="图片 7" descr="图标&#10;&#10;中度可信度描述已自动生成">
+              <a:extLst>
+                <a:ext uri="{FF2B5EF4-FFF2-40B4-BE49-F238E27FC236}">
+                  <a16:creationId xmlns:a16="http://schemas.microsoft.com/office/drawing/2014/main" id="{615D53A2-9BA7-028A-6307-52BF4C5B232B}"/>
+                </a:ext>
+              </a:extLst>
+            </p:cNvPr>
+            <p:cNvPicPr>
+              <a:picLocks noChangeAspect="1"/>
+            </p:cNvPicPr>
+            <p:nvPr/>
+          </p:nvPicPr>
+          <p:blipFill>
+            <a:blip r:embed="rId33" cstate="print">
+              <a:lum bright="70000" contrast="-70000"/>
+              <a:extLst>
+                <a:ext uri="{28A0092B-C50C-407E-A947-70E740481C1C}">
+                  <a14:useLocalDpi xmlns:a14="http://schemas.microsoft.com/office/drawing/2010/main" val="0"/>
+                </a:ext>
+              </a:extLst>
+            </a:blip>
+            <a:stretch>
+              <a:fillRect/>
+            </a:stretch>
+          </p:blipFill>
+          <p:spPr>
+            <a:xfrm>
+              <a:off x="3293412" y="4061200"/>
+              <a:ext cx="270901" cy="270901"/>
+            </a:xfrm>
+            <a:prstGeom prst="rect">
+              <a:avLst/>
+            </a:prstGeom>
+          </p:spPr>
+        </p:pic>
+      </p:grpSp>
+      <p:cxnSp>
+        <p:nvCxnSpPr>
+          <p:cNvPr id="242" name="连接符: 曲线 241">
+            <a:extLst>
+              <a:ext uri="{FF2B5EF4-FFF2-40B4-BE49-F238E27FC236}">
+                <a16:creationId xmlns:a16="http://schemas.microsoft.com/office/drawing/2014/main" id="{1CF7B3EB-72C4-8ACB-CE8F-BBE959BEBA68}"/>
+              </a:ext>
+            </a:extLst>
+          </p:cNvPr>
+          <p:cNvCxnSpPr>
+            <a:cxnSpLocks/>
+            <a:stCxn id="241" idx="3"/>
+          </p:cNvCxnSpPr>
+          <p:nvPr/>
+        </p:nvCxnSpPr>
+        <p:spPr>
+          <a:xfrm flipV="1">
+            <a:off x="6014086" y="4543721"/>
+            <a:ext cx="1638900" cy="1959827"/>
+          </a:xfrm>
+          <a:prstGeom prst="curvedConnector4">
             <a:avLst>
-              <a:gd name="adj1" fmla="val 50000"/>
+              <a:gd name="adj1" fmla="val 47079"/>
+              <a:gd name="adj2" fmla="val 116549"/>
             </a:avLst>
           </a:prstGeom>
-          <a:ln w="57150">
+          <a:ln w="28575">
             <a:solidFill>
               <a:srgbClr val="BD374A"/>
             </a:solidFill>
